--- a/resource/pool.pptx
+++ b/resource/pool.pptx
@@ -5,10 +5,13 @@
     <p:sldMasterId id="2147483648" r:id="rId1"/>
   </p:sldMasterIdLst>
   <p:notesMasterIdLst>
-    <p:notesMasterId r:id="rId3"/>
+    <p:notesMasterId r:id="rId6"/>
   </p:notesMasterIdLst>
   <p:sldIdLst>
     <p:sldId id="256" r:id="rId2"/>
+    <p:sldId id="258" r:id="rId3"/>
+    <p:sldId id="259" r:id="rId4"/>
+    <p:sldId id="260" r:id="rId5"/>
   </p:sldIdLst>
   <p:sldSz cx="12192000" cy="6858000"/>
   <p:notesSz cx="6858000" cy="9144000"/>
@@ -197,7 +200,7 @@
           <a:p>
             <a:fld id="{AAF3295F-15F1-7047-93FE-8DA66822C300}" type="datetimeFigureOut">
               <a:rPr kumimoji="1" lang="ja-JP" altLang="en-US" smtClean="0"/>
-              <a:t>2024/8/17</a:t>
+              <a:t>2024/8/18</a:t>
             </a:fld>
             <a:endParaRPr kumimoji="1" lang="ja-JP" altLang="en-US"/>
           </a:p>
@@ -640,6 +643,204 @@
 </p:notes>
 </file>
 
+<file path=ppt/notesSlides/notesSlide2.xml><?xml version="1.0" encoding="utf-8"?>
+<p:notes xmlns:a="http://schemas.openxmlformats.org/drawingml/2006/main" xmlns:r="http://schemas.openxmlformats.org/officeDocument/2006/relationships" xmlns:p="http://schemas.openxmlformats.org/presentationml/2006/main">
+  <p:cSld>
+    <p:spTree>
+      <p:nvGrpSpPr>
+        <p:cNvPr id="1" name=""/>
+        <p:cNvGrpSpPr/>
+        <p:nvPr/>
+      </p:nvGrpSpPr>
+      <p:grpSpPr>
+        <a:xfrm>
+          <a:off x="0" y="0"/>
+          <a:ext cx="0" cy="0"/>
+          <a:chOff x="0" y="0"/>
+          <a:chExt cx="0" cy="0"/>
+        </a:xfrm>
+      </p:grpSpPr>
+      <p:sp>
+        <p:nvSpPr>
+          <p:cNvPr id="2" name="スライド イメージ プレースホルダー 1"/>
+          <p:cNvSpPr>
+            <a:spLocks noGrp="1" noRot="1" noChangeAspect="1"/>
+          </p:cNvSpPr>
+          <p:nvPr>
+            <p:ph type="sldImg"/>
+          </p:nvPr>
+        </p:nvSpPr>
+        <p:spPr/>
+      </p:sp>
+      <p:sp>
+        <p:nvSpPr>
+          <p:cNvPr id="3" name="ノート プレースホルダー 2"/>
+          <p:cNvSpPr>
+            <a:spLocks noGrp="1"/>
+          </p:cNvSpPr>
+          <p:nvPr>
+            <p:ph type="body" idx="1"/>
+          </p:nvPr>
+        </p:nvSpPr>
+        <p:spPr/>
+        <p:txBody>
+          <a:bodyPr/>
+          <a:lstStyle/>
+          <a:p>
+            <a:r>
+              <a:rPr kumimoji="1" lang="ja-JP" altLang="en-US"/>
+              <a:t>幅</a:t>
+            </a:r>
+            <a:r>
+              <a:rPr kumimoji="1" lang="en-US" altLang="ja-JP" dirty="0"/>
+              <a:t>: 18cm</a:t>
+            </a:r>
+          </a:p>
+          <a:p>
+            <a:r>
+              <a:rPr kumimoji="1" lang="ja-JP" altLang="en-US"/>
+              <a:t>高さ</a:t>
+            </a:r>
+            <a:r>
+              <a:rPr kumimoji="1" lang="en-US" altLang="ja-JP" dirty="0"/>
+              <a:t>: 36cm</a:t>
+            </a:r>
+          </a:p>
+          <a:p>
+            <a:r>
+              <a:rPr kumimoji="1" lang="ja-JP" altLang="en-US"/>
+              <a:t>ポイント</a:t>
+            </a:r>
+            <a:r>
+              <a:rPr kumimoji="1" lang="en-US" altLang="ja-JP" dirty="0"/>
+              <a:t>: 0.36cm x 0.36cm</a:t>
+            </a:r>
+          </a:p>
+          <a:p>
+            <a:r>
+              <a:rPr kumimoji="1" lang="ja-JP" altLang="en-US"/>
+              <a:t>センター・フット</a:t>
+            </a:r>
+            <a:r>
+              <a:rPr kumimoji="1" lang="en-US" altLang="ja-JP" dirty="0"/>
+              <a:t>: </a:t>
+            </a:r>
+            <a:r>
+              <a:rPr kumimoji="1" lang="ja-JP" altLang="en-US"/>
+              <a:t>直径</a:t>
+            </a:r>
+            <a:r>
+              <a:rPr kumimoji="1" lang="en-US" altLang="ja-JP" dirty="0"/>
+              <a:t> 0.36cm</a:t>
+            </a:r>
+          </a:p>
+          <a:p>
+            <a:endParaRPr kumimoji="1" lang="en-US" altLang="ja-JP" dirty="0"/>
+          </a:p>
+          <a:p>
+            <a:r>
+              <a:rPr kumimoji="1" lang="ja-JP" altLang="en-US"/>
+              <a:t>長クッション</a:t>
+            </a:r>
+            <a:r>
+              <a:rPr kumimoji="1" lang="en-US" altLang="ja-JP" dirty="0"/>
+              <a:t> </a:t>
+            </a:r>
+            <a:r>
+              <a:rPr kumimoji="1" lang="ja-JP" altLang="en-US"/>
+              <a:t>一番上のポイントの縦位置</a:t>
+            </a:r>
+            <a:endParaRPr kumimoji="1" lang="en-US" altLang="ja-JP" dirty="0"/>
+          </a:p>
+          <a:p>
+            <a:r>
+              <a:rPr kumimoji="1" lang="en-US" altLang="ja-JP" dirty="0"/>
+              <a:t>18/4 – 0.36/2 = 4.5 – 0.18 = 4.32</a:t>
+            </a:r>
+          </a:p>
+          <a:p>
+            <a:r>
+              <a:rPr kumimoji="1" lang="ja-JP" altLang="en-US"/>
+              <a:t>長クッション</a:t>
+            </a:r>
+            <a:r>
+              <a:rPr kumimoji="1" lang="en-US" altLang="ja-JP" dirty="0"/>
+              <a:t> </a:t>
+            </a:r>
+            <a:r>
+              <a:rPr kumimoji="1" lang="ja-JP" altLang="en-US"/>
+              <a:t>上から</a:t>
+            </a:r>
+            <a:r>
+              <a:rPr kumimoji="1" lang="en-US" altLang="ja-JP" dirty="0"/>
+              <a:t>4</a:t>
+            </a:r>
+            <a:r>
+              <a:rPr kumimoji="1" lang="ja-JP" altLang="en-US"/>
+              <a:t>番目のポイントの縦位置</a:t>
+            </a:r>
+            <a:endParaRPr kumimoji="1" lang="en-US" altLang="ja-JP" dirty="0"/>
+          </a:p>
+          <a:p>
+            <a:r>
+              <a:rPr kumimoji="1" lang="en-US" altLang="ja-JP" dirty="0"/>
+              <a:t>4.32 + 18 = 22.32</a:t>
+            </a:r>
+          </a:p>
+          <a:p>
+            <a:endParaRPr kumimoji="1" lang="en-US" altLang="ja-JP" dirty="0"/>
+          </a:p>
+          <a:p>
+            <a:r>
+              <a:rPr kumimoji="1" lang="ja-JP" altLang="en-US"/>
+              <a:t>フットの縦位置</a:t>
+            </a:r>
+            <a:endParaRPr kumimoji="1" lang="en-US" altLang="ja-JP" dirty="0"/>
+          </a:p>
+          <a:p>
+            <a:r>
+              <a:rPr kumimoji="1" lang="en-US" altLang="ja-JP" dirty="0"/>
+              <a:t>18/4 * 6 – 0.36/2</a:t>
+            </a:r>
+          </a:p>
+        </p:txBody>
+      </p:sp>
+      <p:sp>
+        <p:nvSpPr>
+          <p:cNvPr id="4" name="スライド番号プレースホルダー 3"/>
+          <p:cNvSpPr>
+            <a:spLocks noGrp="1"/>
+          </p:cNvSpPr>
+          <p:nvPr>
+            <p:ph type="sldNum" sz="quarter" idx="5"/>
+          </p:nvPr>
+        </p:nvSpPr>
+        <p:spPr/>
+        <p:txBody>
+          <a:bodyPr/>
+          <a:lstStyle/>
+          <a:p>
+            <a:fld id="{35A52940-D658-BD42-97ED-FF69FFA56F2F}" type="slidenum">
+              <a:rPr kumimoji="1" lang="ja-JP" altLang="en-US" smtClean="0"/>
+              <a:t>2</a:t>
+            </a:fld>
+            <a:endParaRPr kumimoji="1" lang="ja-JP" altLang="en-US"/>
+          </a:p>
+        </p:txBody>
+      </p:sp>
+    </p:spTree>
+    <p:extLst>
+      <p:ext uri="{BB962C8B-B14F-4D97-AF65-F5344CB8AC3E}">
+        <p14:creationId xmlns:p14="http://schemas.microsoft.com/office/powerpoint/2010/main" val="1805651787"/>
+      </p:ext>
+    </p:extLst>
+  </p:cSld>
+  <p:clrMapOvr>
+    <a:masterClrMapping/>
+  </p:clrMapOvr>
+</p:notes>
+</file>
+
 <file path=ppt/slideLayouts/slideLayout1.xml><?xml version="1.0" encoding="utf-8"?>
 <p:sldLayout xmlns:a="http://schemas.openxmlformats.org/drawingml/2006/main" xmlns:r="http://schemas.openxmlformats.org/officeDocument/2006/relationships" xmlns:p="http://schemas.openxmlformats.org/presentationml/2006/main" type="title" preserve="1">
   <p:cSld name="タイトル スライド">
@@ -787,7 +988,7 @@
           <a:p>
             <a:fld id="{05C45757-CA0D-B742-9671-5A7AF0875C4D}" type="datetimeFigureOut">
               <a:rPr kumimoji="1" lang="ja-JP" altLang="en-US" smtClean="0"/>
-              <a:t>2024/8/17</a:t>
+              <a:t>2024/8/18</a:t>
             </a:fld>
             <a:endParaRPr kumimoji="1" lang="ja-JP" altLang="en-US"/>
           </a:p>
@@ -1017,7 +1218,7 @@
           <a:p>
             <a:fld id="{05C45757-CA0D-B742-9671-5A7AF0875C4D}" type="datetimeFigureOut">
               <a:rPr kumimoji="1" lang="ja-JP" altLang="en-US" smtClean="0"/>
-              <a:t>2024/8/17</a:t>
+              <a:t>2024/8/18</a:t>
             </a:fld>
             <a:endParaRPr kumimoji="1" lang="ja-JP" altLang="en-US"/>
           </a:p>
@@ -1257,7 +1458,7 @@
           <a:p>
             <a:fld id="{05C45757-CA0D-B742-9671-5A7AF0875C4D}" type="datetimeFigureOut">
               <a:rPr kumimoji="1" lang="ja-JP" altLang="en-US" smtClean="0"/>
-              <a:t>2024/8/17</a:t>
+              <a:t>2024/8/18</a:t>
             </a:fld>
             <a:endParaRPr kumimoji="1" lang="ja-JP" altLang="en-US"/>
           </a:p>
@@ -1487,7 +1688,7 @@
           <a:p>
             <a:fld id="{05C45757-CA0D-B742-9671-5A7AF0875C4D}" type="datetimeFigureOut">
               <a:rPr kumimoji="1" lang="ja-JP" altLang="en-US" smtClean="0"/>
-              <a:t>2024/8/17</a:t>
+              <a:t>2024/8/18</a:t>
             </a:fld>
             <a:endParaRPr kumimoji="1" lang="ja-JP" altLang="en-US"/>
           </a:p>
@@ -1762,7 +1963,7 @@
           <a:p>
             <a:fld id="{05C45757-CA0D-B742-9671-5A7AF0875C4D}" type="datetimeFigureOut">
               <a:rPr kumimoji="1" lang="ja-JP" altLang="en-US" smtClean="0"/>
-              <a:t>2024/8/17</a:t>
+              <a:t>2024/8/18</a:t>
             </a:fld>
             <a:endParaRPr kumimoji="1" lang="ja-JP" altLang="en-US"/>
           </a:p>
@@ -2091,7 +2292,7 @@
           <a:p>
             <a:fld id="{05C45757-CA0D-B742-9671-5A7AF0875C4D}" type="datetimeFigureOut">
               <a:rPr kumimoji="1" lang="ja-JP" altLang="en-US" smtClean="0"/>
-              <a:t>2024/8/17</a:t>
+              <a:t>2024/8/18</a:t>
             </a:fld>
             <a:endParaRPr kumimoji="1" lang="ja-JP" altLang="en-US"/>
           </a:p>
@@ -2567,7 +2768,7 @@
           <a:p>
             <a:fld id="{05C45757-CA0D-B742-9671-5A7AF0875C4D}" type="datetimeFigureOut">
               <a:rPr kumimoji="1" lang="ja-JP" altLang="en-US" smtClean="0"/>
-              <a:t>2024/8/17</a:t>
+              <a:t>2024/8/18</a:t>
             </a:fld>
             <a:endParaRPr kumimoji="1" lang="ja-JP" altLang="en-US"/>
           </a:p>
@@ -2708,7 +2909,7 @@
           <a:p>
             <a:fld id="{05C45757-CA0D-B742-9671-5A7AF0875C4D}" type="datetimeFigureOut">
               <a:rPr kumimoji="1" lang="ja-JP" altLang="en-US" smtClean="0"/>
-              <a:t>2024/8/17</a:t>
+              <a:t>2024/8/18</a:t>
             </a:fld>
             <a:endParaRPr kumimoji="1" lang="ja-JP" altLang="en-US"/>
           </a:p>
@@ -2821,7 +3022,7 @@
           <a:p>
             <a:fld id="{05C45757-CA0D-B742-9671-5A7AF0875C4D}" type="datetimeFigureOut">
               <a:rPr kumimoji="1" lang="ja-JP" altLang="en-US" smtClean="0"/>
-              <a:t>2024/8/17</a:t>
+              <a:t>2024/8/18</a:t>
             </a:fld>
             <a:endParaRPr kumimoji="1" lang="ja-JP" altLang="en-US"/>
           </a:p>
@@ -3164,7 +3365,7 @@
           <a:p>
             <a:fld id="{05C45757-CA0D-B742-9671-5A7AF0875C4D}" type="datetimeFigureOut">
               <a:rPr kumimoji="1" lang="ja-JP" altLang="en-US" smtClean="0"/>
-              <a:t>2024/8/17</a:t>
+              <a:t>2024/8/18</a:t>
             </a:fld>
             <a:endParaRPr kumimoji="1" lang="ja-JP" altLang="en-US"/>
           </a:p>
@@ -3452,7 +3653,7 @@
           <a:p>
             <a:fld id="{05C45757-CA0D-B742-9671-5A7AF0875C4D}" type="datetimeFigureOut">
               <a:rPr kumimoji="1" lang="ja-JP" altLang="en-US" smtClean="0"/>
-              <a:t>2024/8/17</a:t>
+              <a:t>2024/8/18</a:t>
             </a:fld>
             <a:endParaRPr kumimoji="1" lang="ja-JP" altLang="en-US"/>
           </a:p>
@@ -3725,7 +3926,7 @@
           <a:p>
             <a:fld id="{05C45757-CA0D-B742-9671-5A7AF0875C4D}" type="datetimeFigureOut">
               <a:rPr kumimoji="1" lang="ja-JP" altLang="en-US" smtClean="0"/>
-              <a:t>2024/8/17</a:t>
+              <a:t>2024/8/18</a:t>
             </a:fld>
             <a:endParaRPr kumimoji="1" lang="ja-JP" altLang="en-US"/>
           </a:p>
@@ -4252,10 +4453,10 @@
       </p:sp>
       <p:grpSp>
         <p:nvGrpSpPr>
-          <p:cNvPr id="37" name="グループ化 36">
-            <a:extLst>
-              <a:ext uri="{FF2B5EF4-FFF2-40B4-BE49-F238E27FC236}">
-                <a16:creationId xmlns:a16="http://schemas.microsoft.com/office/drawing/2014/main" id="{1280E1EC-A32B-00F2-F22D-54C5BA17E889}"/>
+          <p:cNvPr id="2" name="グループ化 1">
+            <a:extLst>
+              <a:ext uri="{FF2B5EF4-FFF2-40B4-BE49-F238E27FC236}">
+                <a16:creationId xmlns:a16="http://schemas.microsoft.com/office/drawing/2014/main" id="{85E540B5-4310-39B1-0EEC-81539FE0EFBA}"/>
               </a:ext>
             </a:extLst>
           </p:cNvPr>
@@ -4336,7 +4537,7 @@
           </p:nvSpPr>
           <p:spPr>
             <a:xfrm>
-              <a:off x="2476801" y="2476800"/>
+              <a:off x="2476801" y="7556400"/>
               <a:ext cx="125999" cy="125999"/>
             </a:xfrm>
             <a:prstGeom prst="ellipse">
@@ -5366,10 +5567,4086 @@
           </p:txBody>
         </p:sp>
       </p:grpSp>
+      <p:sp>
+        <p:nvSpPr>
+          <p:cNvPr id="6" name="正方形/長方形 5">
+            <a:extLst>
+              <a:ext uri="{FF2B5EF4-FFF2-40B4-BE49-F238E27FC236}">
+                <a16:creationId xmlns:a16="http://schemas.microsoft.com/office/drawing/2014/main" id="{92A9EA7F-C709-FBAE-EA18-D36739F5760B}"/>
+              </a:ext>
+            </a:extLst>
+          </p:cNvPr>
+          <p:cNvSpPr/>
+          <p:nvPr/>
+        </p:nvSpPr>
+        <p:spPr>
+          <a:xfrm>
+            <a:off x="8509819" y="1988166"/>
+            <a:ext cx="234000" cy="234000"/>
+          </a:xfrm>
+          <a:prstGeom prst="rect">
+            <a:avLst/>
+          </a:prstGeom>
+          <a:solidFill>
+            <a:schemeClr val="accent1">
+              <a:alpha val="20000"/>
+            </a:schemeClr>
+          </a:solidFill>
+          <a:ln w="6350"/>
+        </p:spPr>
+        <p:style>
+          <a:lnRef idx="2">
+            <a:schemeClr val="accent1">
+              <a:shade val="15000"/>
+            </a:schemeClr>
+          </a:lnRef>
+          <a:fillRef idx="1">
+            <a:schemeClr val="accent1"/>
+          </a:fillRef>
+          <a:effectRef idx="0">
+            <a:schemeClr val="accent1"/>
+          </a:effectRef>
+          <a:fontRef idx="minor">
+            <a:schemeClr val="lt1"/>
+          </a:fontRef>
+        </p:style>
+        <p:txBody>
+          <a:bodyPr rtlCol="0" anchor="ctr"/>
+          <a:lstStyle/>
+          <a:p>
+            <a:pPr algn="ctr"/>
+            <a:endParaRPr kumimoji="1" lang="ja-JP" altLang="en-US"/>
+          </a:p>
+        </p:txBody>
+      </p:sp>
     </p:spTree>
     <p:extLst>
       <p:ext uri="{BB962C8B-B14F-4D97-AF65-F5344CB8AC3E}">
         <p14:creationId xmlns:p14="http://schemas.microsoft.com/office/powerpoint/2010/main" val="2105694855"/>
+      </p:ext>
+    </p:extLst>
+  </p:cSld>
+  <p:clrMapOvr>
+    <a:masterClrMapping/>
+  </p:clrMapOvr>
+</p:sld>
+</file>
+
+<file path=ppt/slides/slide2.xml><?xml version="1.0" encoding="utf-8"?>
+<p:sld xmlns:a="http://schemas.openxmlformats.org/drawingml/2006/main" xmlns:r="http://schemas.openxmlformats.org/officeDocument/2006/relationships" xmlns:p="http://schemas.openxmlformats.org/presentationml/2006/main">
+  <p:cSld>
+    <p:spTree>
+      <p:nvGrpSpPr>
+        <p:cNvPr id="1" name=""/>
+        <p:cNvGrpSpPr/>
+        <p:nvPr/>
+      </p:nvGrpSpPr>
+      <p:grpSpPr>
+        <a:xfrm>
+          <a:off x="0" y="0"/>
+          <a:ext cx="0" cy="0"/>
+          <a:chOff x="0" y="0"/>
+          <a:chExt cx="0" cy="0"/>
+        </a:xfrm>
+      </p:grpSpPr>
+      <p:sp>
+        <p:nvSpPr>
+          <p:cNvPr id="2" name="正方形/長方形 1">
+            <a:extLst>
+              <a:ext uri="{FF2B5EF4-FFF2-40B4-BE49-F238E27FC236}">
+                <a16:creationId xmlns:a16="http://schemas.microsoft.com/office/drawing/2014/main" id="{F54ADE36-2CB1-B6C4-AFDB-4A3DEB5913F9}"/>
+              </a:ext>
+            </a:extLst>
+          </p:cNvPr>
+          <p:cNvSpPr/>
+          <p:nvPr/>
+        </p:nvSpPr>
+        <p:spPr>
+          <a:xfrm>
+            <a:off x="0" y="0"/>
+            <a:ext cx="6480000" cy="12960000"/>
+          </a:xfrm>
+          <a:prstGeom prst="rect">
+            <a:avLst/>
+          </a:prstGeom>
+          <a:solidFill>
+            <a:srgbClr val="58BF56"/>
+          </a:solidFill>
+          <a:ln>
+            <a:noFill/>
+          </a:ln>
+        </p:spPr>
+        <p:style>
+          <a:lnRef idx="2">
+            <a:schemeClr val="accent1">
+              <a:shade val="15000"/>
+            </a:schemeClr>
+          </a:lnRef>
+          <a:fillRef idx="1">
+            <a:schemeClr val="accent1"/>
+          </a:fillRef>
+          <a:effectRef idx="0">
+            <a:schemeClr val="accent1"/>
+          </a:effectRef>
+          <a:fontRef idx="minor">
+            <a:schemeClr val="lt1"/>
+          </a:fontRef>
+        </p:style>
+        <p:txBody>
+          <a:bodyPr rtlCol="0" anchor="ctr"/>
+          <a:lstStyle/>
+          <a:p>
+            <a:pPr algn="ctr"/>
+            <a:endParaRPr kumimoji="1" lang="ja-JP" altLang="en-US"/>
+          </a:p>
+        </p:txBody>
+      </p:sp>
+      <p:sp>
+        <p:nvSpPr>
+          <p:cNvPr id="3" name="三角形 2">
+            <a:extLst>
+              <a:ext uri="{FF2B5EF4-FFF2-40B4-BE49-F238E27FC236}">
+                <a16:creationId xmlns:a16="http://schemas.microsoft.com/office/drawing/2014/main" id="{E0065822-BE17-63B7-15BF-B6FB491E5B31}"/>
+              </a:ext>
+            </a:extLst>
+          </p:cNvPr>
+          <p:cNvSpPr/>
+          <p:nvPr/>
+        </p:nvSpPr>
+        <p:spPr>
+          <a:xfrm rot="10800000">
+            <a:off x="3172142" y="597"/>
+            <a:ext cx="129600" cy="129600"/>
+          </a:xfrm>
+          <a:prstGeom prst="triangle">
+            <a:avLst/>
+          </a:prstGeom>
+          <a:solidFill>
+            <a:schemeClr val="bg1"/>
+          </a:solidFill>
+          <a:ln>
+            <a:noFill/>
+          </a:ln>
+        </p:spPr>
+        <p:style>
+          <a:lnRef idx="2">
+            <a:schemeClr val="accent1">
+              <a:shade val="15000"/>
+            </a:schemeClr>
+          </a:lnRef>
+          <a:fillRef idx="1">
+            <a:schemeClr val="accent1"/>
+          </a:fillRef>
+          <a:effectRef idx="0">
+            <a:schemeClr val="accent1"/>
+          </a:effectRef>
+          <a:fontRef idx="minor">
+            <a:schemeClr val="lt1"/>
+          </a:fontRef>
+        </p:style>
+        <p:txBody>
+          <a:bodyPr rtlCol="0" anchor="ctr"/>
+          <a:lstStyle/>
+          <a:p>
+            <a:pPr algn="ctr"/>
+            <a:endParaRPr kumimoji="1" lang="ja-JP" altLang="en-US"/>
+          </a:p>
+        </p:txBody>
+      </p:sp>
+      <p:sp>
+        <p:nvSpPr>
+          <p:cNvPr id="4" name="三角形 3">
+            <a:extLst>
+              <a:ext uri="{FF2B5EF4-FFF2-40B4-BE49-F238E27FC236}">
+                <a16:creationId xmlns:a16="http://schemas.microsoft.com/office/drawing/2014/main" id="{BA70B046-0D7D-7B1F-1AA9-C902D119B78A}"/>
+              </a:ext>
+            </a:extLst>
+          </p:cNvPr>
+          <p:cNvSpPr/>
+          <p:nvPr/>
+        </p:nvSpPr>
+        <p:spPr>
+          <a:xfrm rot="10800000">
+            <a:off x="1555200" y="1"/>
+            <a:ext cx="129600" cy="129600"/>
+          </a:xfrm>
+          <a:prstGeom prst="triangle">
+            <a:avLst/>
+          </a:prstGeom>
+          <a:solidFill>
+            <a:schemeClr val="bg1"/>
+          </a:solidFill>
+          <a:ln>
+            <a:noFill/>
+          </a:ln>
+        </p:spPr>
+        <p:style>
+          <a:lnRef idx="2">
+            <a:schemeClr val="accent1">
+              <a:shade val="15000"/>
+            </a:schemeClr>
+          </a:lnRef>
+          <a:fillRef idx="1">
+            <a:schemeClr val="accent1"/>
+          </a:fillRef>
+          <a:effectRef idx="0">
+            <a:schemeClr val="accent1"/>
+          </a:effectRef>
+          <a:fontRef idx="minor">
+            <a:schemeClr val="lt1"/>
+          </a:fontRef>
+        </p:style>
+        <p:txBody>
+          <a:bodyPr rtlCol="0" anchor="ctr"/>
+          <a:lstStyle/>
+          <a:p>
+            <a:pPr algn="ctr"/>
+            <a:endParaRPr kumimoji="1" lang="ja-JP" altLang="en-US"/>
+          </a:p>
+        </p:txBody>
+      </p:sp>
+      <p:sp>
+        <p:nvSpPr>
+          <p:cNvPr id="5" name="三角形 4">
+            <a:extLst>
+              <a:ext uri="{FF2B5EF4-FFF2-40B4-BE49-F238E27FC236}">
+                <a16:creationId xmlns:a16="http://schemas.microsoft.com/office/drawing/2014/main" id="{2505B38F-FC0C-5831-2866-01FB44B68CBC}"/>
+              </a:ext>
+            </a:extLst>
+          </p:cNvPr>
+          <p:cNvSpPr/>
+          <p:nvPr/>
+        </p:nvSpPr>
+        <p:spPr>
+          <a:xfrm rot="10800000">
+            <a:off x="4794418" y="-1"/>
+            <a:ext cx="129600" cy="129600"/>
+          </a:xfrm>
+          <a:prstGeom prst="triangle">
+            <a:avLst/>
+          </a:prstGeom>
+          <a:solidFill>
+            <a:schemeClr val="bg1"/>
+          </a:solidFill>
+          <a:ln>
+            <a:noFill/>
+          </a:ln>
+        </p:spPr>
+        <p:style>
+          <a:lnRef idx="2">
+            <a:schemeClr val="accent1">
+              <a:shade val="15000"/>
+            </a:schemeClr>
+          </a:lnRef>
+          <a:fillRef idx="1">
+            <a:schemeClr val="accent1"/>
+          </a:fillRef>
+          <a:effectRef idx="0">
+            <a:schemeClr val="accent1"/>
+          </a:effectRef>
+          <a:fontRef idx="minor">
+            <a:schemeClr val="lt1"/>
+          </a:fontRef>
+        </p:style>
+        <p:txBody>
+          <a:bodyPr rtlCol="0" anchor="ctr"/>
+          <a:lstStyle/>
+          <a:p>
+            <a:pPr algn="ctr"/>
+            <a:endParaRPr kumimoji="1" lang="ja-JP" altLang="en-US"/>
+          </a:p>
+        </p:txBody>
+      </p:sp>
+      <p:sp>
+        <p:nvSpPr>
+          <p:cNvPr id="14" name="三角形 13">
+            <a:extLst>
+              <a:ext uri="{FF2B5EF4-FFF2-40B4-BE49-F238E27FC236}">
+                <a16:creationId xmlns:a16="http://schemas.microsoft.com/office/drawing/2014/main" id="{F3ACB8D4-7DED-DFAF-5599-C7B3E9BB0FE8}"/>
+              </a:ext>
+            </a:extLst>
+          </p:cNvPr>
+          <p:cNvSpPr/>
+          <p:nvPr/>
+        </p:nvSpPr>
+        <p:spPr>
+          <a:xfrm>
+            <a:off x="3172142" y="12838923"/>
+            <a:ext cx="129600" cy="129600"/>
+          </a:xfrm>
+          <a:prstGeom prst="triangle">
+            <a:avLst/>
+          </a:prstGeom>
+          <a:solidFill>
+            <a:schemeClr val="bg1"/>
+          </a:solidFill>
+          <a:ln>
+            <a:noFill/>
+          </a:ln>
+        </p:spPr>
+        <p:style>
+          <a:lnRef idx="2">
+            <a:schemeClr val="accent1">
+              <a:shade val="15000"/>
+            </a:schemeClr>
+          </a:lnRef>
+          <a:fillRef idx="1">
+            <a:schemeClr val="accent1"/>
+          </a:fillRef>
+          <a:effectRef idx="0">
+            <a:schemeClr val="accent1"/>
+          </a:effectRef>
+          <a:fontRef idx="minor">
+            <a:schemeClr val="lt1"/>
+          </a:fontRef>
+        </p:style>
+        <p:txBody>
+          <a:bodyPr rtlCol="0" anchor="ctr"/>
+          <a:lstStyle/>
+          <a:p>
+            <a:pPr algn="ctr"/>
+            <a:endParaRPr kumimoji="1" lang="ja-JP" altLang="en-US"/>
+          </a:p>
+        </p:txBody>
+      </p:sp>
+      <p:sp>
+        <p:nvSpPr>
+          <p:cNvPr id="15" name="三角形 14">
+            <a:extLst>
+              <a:ext uri="{FF2B5EF4-FFF2-40B4-BE49-F238E27FC236}">
+                <a16:creationId xmlns:a16="http://schemas.microsoft.com/office/drawing/2014/main" id="{946A4F69-7A46-A46D-DA0A-01A8460BE538}"/>
+              </a:ext>
+            </a:extLst>
+          </p:cNvPr>
+          <p:cNvSpPr/>
+          <p:nvPr/>
+        </p:nvSpPr>
+        <p:spPr>
+          <a:xfrm>
+            <a:off x="4794418" y="12830400"/>
+            <a:ext cx="129600" cy="129600"/>
+          </a:xfrm>
+          <a:prstGeom prst="triangle">
+            <a:avLst/>
+          </a:prstGeom>
+          <a:solidFill>
+            <a:schemeClr val="bg1"/>
+          </a:solidFill>
+          <a:ln>
+            <a:noFill/>
+          </a:ln>
+        </p:spPr>
+        <p:style>
+          <a:lnRef idx="2">
+            <a:schemeClr val="accent1">
+              <a:shade val="15000"/>
+            </a:schemeClr>
+          </a:lnRef>
+          <a:fillRef idx="1">
+            <a:schemeClr val="accent1"/>
+          </a:fillRef>
+          <a:effectRef idx="0">
+            <a:schemeClr val="accent1"/>
+          </a:effectRef>
+          <a:fontRef idx="minor">
+            <a:schemeClr val="lt1"/>
+          </a:fontRef>
+        </p:style>
+        <p:txBody>
+          <a:bodyPr rtlCol="0" anchor="ctr"/>
+          <a:lstStyle/>
+          <a:p>
+            <a:pPr algn="ctr"/>
+            <a:endParaRPr kumimoji="1" lang="ja-JP" altLang="en-US"/>
+          </a:p>
+        </p:txBody>
+      </p:sp>
+      <p:sp>
+        <p:nvSpPr>
+          <p:cNvPr id="16" name="三角形 15">
+            <a:extLst>
+              <a:ext uri="{FF2B5EF4-FFF2-40B4-BE49-F238E27FC236}">
+                <a16:creationId xmlns:a16="http://schemas.microsoft.com/office/drawing/2014/main" id="{9FE0AA87-2099-E8FD-DCC2-1652B800DCDE}"/>
+              </a:ext>
+            </a:extLst>
+          </p:cNvPr>
+          <p:cNvSpPr/>
+          <p:nvPr/>
+        </p:nvSpPr>
+        <p:spPr>
+          <a:xfrm>
+            <a:off x="1549084" y="12830400"/>
+            <a:ext cx="129600" cy="129600"/>
+          </a:xfrm>
+          <a:prstGeom prst="triangle">
+            <a:avLst/>
+          </a:prstGeom>
+          <a:solidFill>
+            <a:schemeClr val="bg1"/>
+          </a:solidFill>
+          <a:ln>
+            <a:noFill/>
+          </a:ln>
+        </p:spPr>
+        <p:style>
+          <a:lnRef idx="2">
+            <a:schemeClr val="accent1">
+              <a:shade val="15000"/>
+            </a:schemeClr>
+          </a:lnRef>
+          <a:fillRef idx="1">
+            <a:schemeClr val="accent1"/>
+          </a:fillRef>
+          <a:effectRef idx="0">
+            <a:schemeClr val="accent1"/>
+          </a:effectRef>
+          <a:fontRef idx="minor">
+            <a:schemeClr val="lt1"/>
+          </a:fontRef>
+        </p:style>
+        <p:txBody>
+          <a:bodyPr rtlCol="0" anchor="ctr"/>
+          <a:lstStyle/>
+          <a:p>
+            <a:pPr algn="ctr"/>
+            <a:endParaRPr kumimoji="1" lang="ja-JP" altLang="en-US"/>
+          </a:p>
+        </p:txBody>
+      </p:sp>
+      <p:sp>
+        <p:nvSpPr>
+          <p:cNvPr id="25" name="三角形 24">
+            <a:extLst>
+              <a:ext uri="{FF2B5EF4-FFF2-40B4-BE49-F238E27FC236}">
+                <a16:creationId xmlns:a16="http://schemas.microsoft.com/office/drawing/2014/main" id="{A152F6D7-1EC7-14DC-2ED6-8ED09E37A703}"/>
+              </a:ext>
+            </a:extLst>
+          </p:cNvPr>
+          <p:cNvSpPr/>
+          <p:nvPr/>
+        </p:nvSpPr>
+        <p:spPr>
+          <a:xfrm rot="5400000">
+            <a:off x="7944" y="1555184"/>
+            <a:ext cx="129600" cy="129600"/>
+          </a:xfrm>
+          <a:prstGeom prst="triangle">
+            <a:avLst/>
+          </a:prstGeom>
+          <a:solidFill>
+            <a:schemeClr val="bg1"/>
+          </a:solidFill>
+          <a:ln>
+            <a:noFill/>
+          </a:ln>
+        </p:spPr>
+        <p:style>
+          <a:lnRef idx="2">
+            <a:schemeClr val="accent1">
+              <a:shade val="15000"/>
+            </a:schemeClr>
+          </a:lnRef>
+          <a:fillRef idx="1">
+            <a:schemeClr val="accent1"/>
+          </a:fillRef>
+          <a:effectRef idx="0">
+            <a:schemeClr val="accent1"/>
+          </a:effectRef>
+          <a:fontRef idx="minor">
+            <a:schemeClr val="lt1"/>
+          </a:fontRef>
+        </p:style>
+        <p:txBody>
+          <a:bodyPr rtlCol="0" anchor="ctr"/>
+          <a:lstStyle/>
+          <a:p>
+            <a:pPr algn="ctr"/>
+            <a:endParaRPr kumimoji="1" lang="ja-JP" altLang="en-US"/>
+          </a:p>
+        </p:txBody>
+      </p:sp>
+      <p:sp>
+        <p:nvSpPr>
+          <p:cNvPr id="26" name="三角形 25">
+            <a:extLst>
+              <a:ext uri="{FF2B5EF4-FFF2-40B4-BE49-F238E27FC236}">
+                <a16:creationId xmlns:a16="http://schemas.microsoft.com/office/drawing/2014/main" id="{D6BD9A44-110A-CA71-31FA-2544EF0978E7}"/>
+              </a:ext>
+            </a:extLst>
+          </p:cNvPr>
+          <p:cNvSpPr/>
+          <p:nvPr/>
+        </p:nvSpPr>
+        <p:spPr>
+          <a:xfrm rot="5400000">
+            <a:off x="-11024" y="3175184"/>
+            <a:ext cx="129600" cy="129600"/>
+          </a:xfrm>
+          <a:prstGeom prst="triangle">
+            <a:avLst/>
+          </a:prstGeom>
+          <a:solidFill>
+            <a:schemeClr val="bg1"/>
+          </a:solidFill>
+          <a:ln>
+            <a:noFill/>
+          </a:ln>
+        </p:spPr>
+        <p:style>
+          <a:lnRef idx="2">
+            <a:schemeClr val="accent1">
+              <a:shade val="15000"/>
+            </a:schemeClr>
+          </a:lnRef>
+          <a:fillRef idx="1">
+            <a:schemeClr val="accent1"/>
+          </a:fillRef>
+          <a:effectRef idx="0">
+            <a:schemeClr val="accent1"/>
+          </a:effectRef>
+          <a:fontRef idx="minor">
+            <a:schemeClr val="lt1"/>
+          </a:fontRef>
+        </p:style>
+        <p:txBody>
+          <a:bodyPr rtlCol="0" anchor="ctr"/>
+          <a:lstStyle/>
+          <a:p>
+            <a:pPr algn="ctr"/>
+            <a:endParaRPr kumimoji="1" lang="ja-JP" altLang="en-US"/>
+          </a:p>
+        </p:txBody>
+      </p:sp>
+      <p:sp>
+        <p:nvSpPr>
+          <p:cNvPr id="27" name="三角形 26">
+            <a:extLst>
+              <a:ext uri="{FF2B5EF4-FFF2-40B4-BE49-F238E27FC236}">
+                <a16:creationId xmlns:a16="http://schemas.microsoft.com/office/drawing/2014/main" id="{B033EC03-9AFA-FDCF-6216-BC3CAE7C8860}"/>
+              </a:ext>
+            </a:extLst>
+          </p:cNvPr>
+          <p:cNvSpPr/>
+          <p:nvPr/>
+        </p:nvSpPr>
+        <p:spPr>
+          <a:xfrm rot="5400000">
+            <a:off x="6117" y="4795192"/>
+            <a:ext cx="129600" cy="129600"/>
+          </a:xfrm>
+          <a:prstGeom prst="triangle">
+            <a:avLst/>
+          </a:prstGeom>
+          <a:solidFill>
+            <a:schemeClr val="bg1"/>
+          </a:solidFill>
+          <a:ln>
+            <a:noFill/>
+          </a:ln>
+        </p:spPr>
+        <p:style>
+          <a:lnRef idx="2">
+            <a:schemeClr val="accent1">
+              <a:shade val="15000"/>
+            </a:schemeClr>
+          </a:lnRef>
+          <a:fillRef idx="1">
+            <a:schemeClr val="accent1"/>
+          </a:fillRef>
+          <a:effectRef idx="0">
+            <a:schemeClr val="accent1"/>
+          </a:effectRef>
+          <a:fontRef idx="minor">
+            <a:schemeClr val="lt1"/>
+          </a:fontRef>
+        </p:style>
+        <p:txBody>
+          <a:bodyPr rtlCol="0" anchor="ctr"/>
+          <a:lstStyle/>
+          <a:p>
+            <a:pPr algn="ctr"/>
+            <a:endParaRPr kumimoji="1" lang="ja-JP" altLang="en-US"/>
+          </a:p>
+        </p:txBody>
+      </p:sp>
+      <p:sp>
+        <p:nvSpPr>
+          <p:cNvPr id="30" name="三角形 29">
+            <a:extLst>
+              <a:ext uri="{FF2B5EF4-FFF2-40B4-BE49-F238E27FC236}">
+                <a16:creationId xmlns:a16="http://schemas.microsoft.com/office/drawing/2014/main" id="{EE6B756B-5701-5AF0-6AAB-43616E6085A0}"/>
+              </a:ext>
+            </a:extLst>
+          </p:cNvPr>
+          <p:cNvSpPr/>
+          <p:nvPr/>
+        </p:nvSpPr>
+        <p:spPr>
+          <a:xfrm rot="16200000">
+            <a:off x="6345624" y="4795196"/>
+            <a:ext cx="129600" cy="129600"/>
+          </a:xfrm>
+          <a:prstGeom prst="triangle">
+            <a:avLst/>
+          </a:prstGeom>
+          <a:solidFill>
+            <a:schemeClr val="bg1"/>
+          </a:solidFill>
+          <a:ln>
+            <a:noFill/>
+          </a:ln>
+        </p:spPr>
+        <p:style>
+          <a:lnRef idx="2">
+            <a:schemeClr val="accent1">
+              <a:shade val="15000"/>
+            </a:schemeClr>
+          </a:lnRef>
+          <a:fillRef idx="1">
+            <a:schemeClr val="accent1"/>
+          </a:fillRef>
+          <a:effectRef idx="0">
+            <a:schemeClr val="accent1"/>
+          </a:effectRef>
+          <a:fontRef idx="minor">
+            <a:schemeClr val="lt1"/>
+          </a:fontRef>
+        </p:style>
+        <p:txBody>
+          <a:bodyPr rtlCol="0" anchor="ctr"/>
+          <a:lstStyle/>
+          <a:p>
+            <a:pPr algn="ctr"/>
+            <a:endParaRPr kumimoji="1" lang="ja-JP" altLang="en-US"/>
+          </a:p>
+        </p:txBody>
+      </p:sp>
+      <p:sp>
+        <p:nvSpPr>
+          <p:cNvPr id="31" name="三角形 30">
+            <a:extLst>
+              <a:ext uri="{FF2B5EF4-FFF2-40B4-BE49-F238E27FC236}">
+                <a16:creationId xmlns:a16="http://schemas.microsoft.com/office/drawing/2014/main" id="{5B603DC3-F9D0-1F5C-3D85-930AD42C6570}"/>
+              </a:ext>
+            </a:extLst>
+          </p:cNvPr>
+          <p:cNvSpPr/>
+          <p:nvPr/>
+        </p:nvSpPr>
+        <p:spPr>
+          <a:xfrm rot="16200000">
+            <a:off x="6347792" y="3175199"/>
+            <a:ext cx="129600" cy="129600"/>
+          </a:xfrm>
+          <a:prstGeom prst="triangle">
+            <a:avLst/>
+          </a:prstGeom>
+          <a:solidFill>
+            <a:schemeClr val="bg1"/>
+          </a:solidFill>
+          <a:ln>
+            <a:noFill/>
+          </a:ln>
+        </p:spPr>
+        <p:style>
+          <a:lnRef idx="2">
+            <a:schemeClr val="accent1">
+              <a:shade val="15000"/>
+            </a:schemeClr>
+          </a:lnRef>
+          <a:fillRef idx="1">
+            <a:schemeClr val="accent1"/>
+          </a:fillRef>
+          <a:effectRef idx="0">
+            <a:schemeClr val="accent1"/>
+          </a:effectRef>
+          <a:fontRef idx="minor">
+            <a:schemeClr val="lt1"/>
+          </a:fontRef>
+        </p:style>
+        <p:txBody>
+          <a:bodyPr rtlCol="0" anchor="ctr"/>
+          <a:lstStyle/>
+          <a:p>
+            <a:pPr algn="ctr"/>
+            <a:endParaRPr kumimoji="1" lang="ja-JP" altLang="en-US"/>
+          </a:p>
+        </p:txBody>
+      </p:sp>
+      <p:sp>
+        <p:nvSpPr>
+          <p:cNvPr id="32" name="三角形 31">
+            <a:extLst>
+              <a:ext uri="{FF2B5EF4-FFF2-40B4-BE49-F238E27FC236}">
+                <a16:creationId xmlns:a16="http://schemas.microsoft.com/office/drawing/2014/main" id="{FECF1107-8C1E-B1C6-6D25-2681D86575B9}"/>
+              </a:ext>
+            </a:extLst>
+          </p:cNvPr>
+          <p:cNvSpPr/>
+          <p:nvPr/>
+        </p:nvSpPr>
+        <p:spPr>
+          <a:xfrm rot="16200000">
+            <a:off x="6350400" y="1555200"/>
+            <a:ext cx="129600" cy="129600"/>
+          </a:xfrm>
+          <a:prstGeom prst="triangle">
+            <a:avLst/>
+          </a:prstGeom>
+          <a:solidFill>
+            <a:schemeClr val="bg1"/>
+          </a:solidFill>
+          <a:ln>
+            <a:noFill/>
+          </a:ln>
+        </p:spPr>
+        <p:style>
+          <a:lnRef idx="2">
+            <a:schemeClr val="accent1">
+              <a:shade val="15000"/>
+            </a:schemeClr>
+          </a:lnRef>
+          <a:fillRef idx="1">
+            <a:schemeClr val="accent1"/>
+          </a:fillRef>
+          <a:effectRef idx="0">
+            <a:schemeClr val="accent1"/>
+          </a:effectRef>
+          <a:fontRef idx="minor">
+            <a:schemeClr val="lt1"/>
+          </a:fontRef>
+        </p:style>
+        <p:txBody>
+          <a:bodyPr rtlCol="0" anchor="ctr"/>
+          <a:lstStyle/>
+          <a:p>
+            <a:pPr algn="ctr"/>
+            <a:endParaRPr kumimoji="1" lang="ja-JP" altLang="en-US"/>
+          </a:p>
+        </p:txBody>
+      </p:sp>
+      <p:sp>
+        <p:nvSpPr>
+          <p:cNvPr id="40" name="三角形 39">
+            <a:extLst>
+              <a:ext uri="{FF2B5EF4-FFF2-40B4-BE49-F238E27FC236}">
+                <a16:creationId xmlns:a16="http://schemas.microsoft.com/office/drawing/2014/main" id="{6DF67B74-DB46-F9C9-D5B8-6BE8E14A3ED0}"/>
+              </a:ext>
+            </a:extLst>
+          </p:cNvPr>
+          <p:cNvSpPr/>
+          <p:nvPr/>
+        </p:nvSpPr>
+        <p:spPr>
+          <a:xfrm rot="5400000">
+            <a:off x="6117" y="8035192"/>
+            <a:ext cx="129600" cy="129600"/>
+          </a:xfrm>
+          <a:prstGeom prst="triangle">
+            <a:avLst/>
+          </a:prstGeom>
+          <a:solidFill>
+            <a:schemeClr val="bg1"/>
+          </a:solidFill>
+          <a:ln>
+            <a:noFill/>
+          </a:ln>
+        </p:spPr>
+        <p:style>
+          <a:lnRef idx="2">
+            <a:schemeClr val="accent1">
+              <a:shade val="15000"/>
+            </a:schemeClr>
+          </a:lnRef>
+          <a:fillRef idx="1">
+            <a:schemeClr val="accent1"/>
+          </a:fillRef>
+          <a:effectRef idx="0">
+            <a:schemeClr val="accent1"/>
+          </a:effectRef>
+          <a:fontRef idx="minor">
+            <a:schemeClr val="lt1"/>
+          </a:fontRef>
+        </p:style>
+        <p:txBody>
+          <a:bodyPr rtlCol="0" anchor="ctr"/>
+          <a:lstStyle/>
+          <a:p>
+            <a:pPr algn="ctr"/>
+            <a:endParaRPr kumimoji="1" lang="ja-JP" altLang="en-US"/>
+          </a:p>
+        </p:txBody>
+      </p:sp>
+      <p:sp>
+        <p:nvSpPr>
+          <p:cNvPr id="41" name="三角形 40">
+            <a:extLst>
+              <a:ext uri="{FF2B5EF4-FFF2-40B4-BE49-F238E27FC236}">
+                <a16:creationId xmlns:a16="http://schemas.microsoft.com/office/drawing/2014/main" id="{AA61F6F0-BEBF-C6BC-1AA3-3DF224A9D263}"/>
+              </a:ext>
+            </a:extLst>
+          </p:cNvPr>
+          <p:cNvSpPr/>
+          <p:nvPr/>
+        </p:nvSpPr>
+        <p:spPr>
+          <a:xfrm rot="5400000">
+            <a:off x="11035" y="9655196"/>
+            <a:ext cx="129600" cy="129600"/>
+          </a:xfrm>
+          <a:prstGeom prst="triangle">
+            <a:avLst/>
+          </a:prstGeom>
+          <a:solidFill>
+            <a:schemeClr val="bg1"/>
+          </a:solidFill>
+          <a:ln>
+            <a:noFill/>
+          </a:ln>
+        </p:spPr>
+        <p:style>
+          <a:lnRef idx="2">
+            <a:schemeClr val="accent1">
+              <a:shade val="15000"/>
+            </a:schemeClr>
+          </a:lnRef>
+          <a:fillRef idx="1">
+            <a:schemeClr val="accent1"/>
+          </a:fillRef>
+          <a:effectRef idx="0">
+            <a:schemeClr val="accent1"/>
+          </a:effectRef>
+          <a:fontRef idx="minor">
+            <a:schemeClr val="lt1"/>
+          </a:fontRef>
+        </p:style>
+        <p:txBody>
+          <a:bodyPr rtlCol="0" anchor="ctr"/>
+          <a:lstStyle/>
+          <a:p>
+            <a:pPr algn="ctr"/>
+            <a:endParaRPr kumimoji="1" lang="ja-JP" altLang="en-US"/>
+          </a:p>
+        </p:txBody>
+      </p:sp>
+      <p:sp>
+        <p:nvSpPr>
+          <p:cNvPr id="42" name="三角形 41">
+            <a:extLst>
+              <a:ext uri="{FF2B5EF4-FFF2-40B4-BE49-F238E27FC236}">
+                <a16:creationId xmlns:a16="http://schemas.microsoft.com/office/drawing/2014/main" id="{2746DAFE-8B4F-2B35-1EBB-BCC3EA78495E}"/>
+              </a:ext>
+            </a:extLst>
+          </p:cNvPr>
+          <p:cNvSpPr/>
+          <p:nvPr/>
+        </p:nvSpPr>
+        <p:spPr>
+          <a:xfrm rot="5400000">
+            <a:off x="0" y="11275198"/>
+            <a:ext cx="129600" cy="129600"/>
+          </a:xfrm>
+          <a:prstGeom prst="triangle">
+            <a:avLst/>
+          </a:prstGeom>
+          <a:solidFill>
+            <a:schemeClr val="bg1"/>
+          </a:solidFill>
+          <a:ln>
+            <a:noFill/>
+          </a:ln>
+        </p:spPr>
+        <p:style>
+          <a:lnRef idx="2">
+            <a:schemeClr val="accent1">
+              <a:shade val="15000"/>
+            </a:schemeClr>
+          </a:lnRef>
+          <a:fillRef idx="1">
+            <a:schemeClr val="accent1"/>
+          </a:fillRef>
+          <a:effectRef idx="0">
+            <a:schemeClr val="accent1"/>
+          </a:effectRef>
+          <a:fontRef idx="minor">
+            <a:schemeClr val="lt1"/>
+          </a:fontRef>
+        </p:style>
+        <p:txBody>
+          <a:bodyPr rtlCol="0" anchor="ctr"/>
+          <a:lstStyle/>
+          <a:p>
+            <a:pPr algn="ctr"/>
+            <a:endParaRPr kumimoji="1" lang="ja-JP" altLang="en-US"/>
+          </a:p>
+        </p:txBody>
+      </p:sp>
+      <p:sp>
+        <p:nvSpPr>
+          <p:cNvPr id="37" name="三角形 36">
+            <a:extLst>
+              <a:ext uri="{FF2B5EF4-FFF2-40B4-BE49-F238E27FC236}">
+                <a16:creationId xmlns:a16="http://schemas.microsoft.com/office/drawing/2014/main" id="{D29221FB-9AEE-DC34-6D73-64DBF59B58F3}"/>
+              </a:ext>
+            </a:extLst>
+          </p:cNvPr>
+          <p:cNvSpPr/>
+          <p:nvPr/>
+        </p:nvSpPr>
+        <p:spPr>
+          <a:xfrm rot="16200000">
+            <a:off x="6361425" y="11275199"/>
+            <a:ext cx="129600" cy="129600"/>
+          </a:xfrm>
+          <a:prstGeom prst="triangle">
+            <a:avLst/>
+          </a:prstGeom>
+          <a:solidFill>
+            <a:schemeClr val="bg1"/>
+          </a:solidFill>
+          <a:ln>
+            <a:noFill/>
+          </a:ln>
+        </p:spPr>
+        <p:style>
+          <a:lnRef idx="2">
+            <a:schemeClr val="accent1">
+              <a:shade val="15000"/>
+            </a:schemeClr>
+          </a:lnRef>
+          <a:fillRef idx="1">
+            <a:schemeClr val="accent1"/>
+          </a:fillRef>
+          <a:effectRef idx="0">
+            <a:schemeClr val="accent1"/>
+          </a:effectRef>
+          <a:fontRef idx="minor">
+            <a:schemeClr val="lt1"/>
+          </a:fontRef>
+        </p:style>
+        <p:txBody>
+          <a:bodyPr rtlCol="0" anchor="ctr"/>
+          <a:lstStyle/>
+          <a:p>
+            <a:pPr algn="ctr"/>
+            <a:endParaRPr kumimoji="1" lang="ja-JP" altLang="en-US"/>
+          </a:p>
+        </p:txBody>
+      </p:sp>
+      <p:sp>
+        <p:nvSpPr>
+          <p:cNvPr id="38" name="三角形 37">
+            <a:extLst>
+              <a:ext uri="{FF2B5EF4-FFF2-40B4-BE49-F238E27FC236}">
+                <a16:creationId xmlns:a16="http://schemas.microsoft.com/office/drawing/2014/main" id="{774B991D-5E8C-6DC7-29EF-D0E2441A270D}"/>
+              </a:ext>
+            </a:extLst>
+          </p:cNvPr>
+          <p:cNvSpPr/>
+          <p:nvPr/>
+        </p:nvSpPr>
+        <p:spPr>
+          <a:xfrm rot="16200000">
+            <a:off x="6350758" y="9655199"/>
+            <a:ext cx="129600" cy="129600"/>
+          </a:xfrm>
+          <a:prstGeom prst="triangle">
+            <a:avLst/>
+          </a:prstGeom>
+          <a:solidFill>
+            <a:schemeClr val="bg1"/>
+          </a:solidFill>
+          <a:ln>
+            <a:noFill/>
+          </a:ln>
+        </p:spPr>
+        <p:style>
+          <a:lnRef idx="2">
+            <a:schemeClr val="accent1">
+              <a:shade val="15000"/>
+            </a:schemeClr>
+          </a:lnRef>
+          <a:fillRef idx="1">
+            <a:schemeClr val="accent1"/>
+          </a:fillRef>
+          <a:effectRef idx="0">
+            <a:schemeClr val="accent1"/>
+          </a:effectRef>
+          <a:fontRef idx="minor">
+            <a:schemeClr val="lt1"/>
+          </a:fontRef>
+        </p:style>
+        <p:txBody>
+          <a:bodyPr rtlCol="0" anchor="ctr"/>
+          <a:lstStyle/>
+          <a:p>
+            <a:pPr algn="ctr"/>
+            <a:endParaRPr kumimoji="1" lang="ja-JP" altLang="en-US"/>
+          </a:p>
+        </p:txBody>
+      </p:sp>
+      <p:sp>
+        <p:nvSpPr>
+          <p:cNvPr id="39" name="三角形 38">
+            <a:extLst>
+              <a:ext uri="{FF2B5EF4-FFF2-40B4-BE49-F238E27FC236}">
+                <a16:creationId xmlns:a16="http://schemas.microsoft.com/office/drawing/2014/main" id="{1399A196-7082-09D4-4FC5-2DCD84E25A38}"/>
+              </a:ext>
+            </a:extLst>
+          </p:cNvPr>
+          <p:cNvSpPr/>
+          <p:nvPr/>
+        </p:nvSpPr>
+        <p:spPr>
+          <a:xfrm rot="16200000">
+            <a:off x="6350400" y="8035200"/>
+            <a:ext cx="129600" cy="129600"/>
+          </a:xfrm>
+          <a:prstGeom prst="triangle">
+            <a:avLst/>
+          </a:prstGeom>
+          <a:solidFill>
+            <a:schemeClr val="bg1"/>
+          </a:solidFill>
+          <a:ln>
+            <a:noFill/>
+          </a:ln>
+        </p:spPr>
+        <p:style>
+          <a:lnRef idx="2">
+            <a:schemeClr val="accent1">
+              <a:shade val="15000"/>
+            </a:schemeClr>
+          </a:lnRef>
+          <a:fillRef idx="1">
+            <a:schemeClr val="accent1"/>
+          </a:fillRef>
+          <a:effectRef idx="0">
+            <a:schemeClr val="accent1"/>
+          </a:effectRef>
+          <a:fontRef idx="minor">
+            <a:schemeClr val="lt1"/>
+          </a:fontRef>
+        </p:style>
+        <p:txBody>
+          <a:bodyPr rtlCol="0" anchor="ctr"/>
+          <a:lstStyle/>
+          <a:p>
+            <a:pPr algn="ctr"/>
+            <a:endParaRPr kumimoji="1" lang="ja-JP" altLang="en-US"/>
+          </a:p>
+        </p:txBody>
+      </p:sp>
+      <p:sp>
+        <p:nvSpPr>
+          <p:cNvPr id="43" name="円/楕円 42">
+            <a:extLst>
+              <a:ext uri="{FF2B5EF4-FFF2-40B4-BE49-F238E27FC236}">
+                <a16:creationId xmlns:a16="http://schemas.microsoft.com/office/drawing/2014/main" id="{1F895EAB-CFFD-A33E-AEDF-B957F80FE379}"/>
+              </a:ext>
+            </a:extLst>
+          </p:cNvPr>
+          <p:cNvSpPr/>
+          <p:nvPr/>
+        </p:nvSpPr>
+        <p:spPr>
+          <a:xfrm>
+            <a:off x="3175200" y="9655200"/>
+            <a:ext cx="129600" cy="129600"/>
+          </a:xfrm>
+          <a:prstGeom prst="ellipse">
+            <a:avLst/>
+          </a:prstGeom>
+          <a:solidFill>
+            <a:schemeClr val="tx1">
+              <a:lumMod val="75000"/>
+              <a:lumOff val="25000"/>
+            </a:schemeClr>
+          </a:solidFill>
+          <a:ln>
+            <a:noFill/>
+          </a:ln>
+        </p:spPr>
+        <p:style>
+          <a:lnRef idx="2">
+            <a:schemeClr val="accent1">
+              <a:shade val="15000"/>
+            </a:schemeClr>
+          </a:lnRef>
+          <a:fillRef idx="1">
+            <a:schemeClr val="accent1"/>
+          </a:fillRef>
+          <a:effectRef idx="0">
+            <a:schemeClr val="accent1"/>
+          </a:effectRef>
+          <a:fontRef idx="minor">
+            <a:schemeClr val="lt1"/>
+          </a:fontRef>
+        </p:style>
+        <p:txBody>
+          <a:bodyPr rtlCol="0" anchor="ctr"/>
+          <a:lstStyle/>
+          <a:p>
+            <a:pPr algn="ctr"/>
+            <a:endParaRPr kumimoji="1" lang="ja-JP" altLang="en-US"/>
+          </a:p>
+        </p:txBody>
+      </p:sp>
+      <p:sp>
+        <p:nvSpPr>
+          <p:cNvPr id="44" name="円/楕円 43">
+            <a:extLst>
+              <a:ext uri="{FF2B5EF4-FFF2-40B4-BE49-F238E27FC236}">
+                <a16:creationId xmlns:a16="http://schemas.microsoft.com/office/drawing/2014/main" id="{F04FFD6B-49E1-3070-FF77-9782550C8812}"/>
+              </a:ext>
+            </a:extLst>
+          </p:cNvPr>
+          <p:cNvSpPr/>
+          <p:nvPr/>
+        </p:nvSpPr>
+        <p:spPr>
+          <a:xfrm>
+            <a:off x="3175200" y="6415200"/>
+            <a:ext cx="129600" cy="129600"/>
+          </a:xfrm>
+          <a:prstGeom prst="ellipse">
+            <a:avLst/>
+          </a:prstGeom>
+          <a:solidFill>
+            <a:schemeClr val="bg1"/>
+          </a:solidFill>
+          <a:ln w="63500">
+            <a:noFill/>
+          </a:ln>
+        </p:spPr>
+        <p:style>
+          <a:lnRef idx="2">
+            <a:schemeClr val="accent1">
+              <a:shade val="15000"/>
+            </a:schemeClr>
+          </a:lnRef>
+          <a:fillRef idx="1">
+            <a:schemeClr val="accent1"/>
+          </a:fillRef>
+          <a:effectRef idx="0">
+            <a:schemeClr val="accent1"/>
+          </a:effectRef>
+          <a:fontRef idx="minor">
+            <a:schemeClr val="lt1"/>
+          </a:fontRef>
+        </p:style>
+        <p:txBody>
+          <a:bodyPr rtlCol="0" anchor="ctr"/>
+          <a:lstStyle/>
+          <a:p>
+            <a:pPr algn="ctr"/>
+            <a:endParaRPr kumimoji="1" lang="ja-JP" altLang="en-US"/>
+          </a:p>
+        </p:txBody>
+      </p:sp>
+      <p:cxnSp>
+        <p:nvCxnSpPr>
+          <p:cNvPr id="50" name="直線コネクタ 49">
+            <a:extLst>
+              <a:ext uri="{FF2B5EF4-FFF2-40B4-BE49-F238E27FC236}">
+                <a16:creationId xmlns:a16="http://schemas.microsoft.com/office/drawing/2014/main" id="{C55A2006-45E3-34BC-1662-7D1A858DA5B8}"/>
+              </a:ext>
+            </a:extLst>
+          </p:cNvPr>
+          <p:cNvCxnSpPr>
+            <a:cxnSpLocks/>
+          </p:cNvCxnSpPr>
+          <p:nvPr/>
+        </p:nvCxnSpPr>
+        <p:spPr>
+          <a:xfrm>
+            <a:off x="0" y="0"/>
+            <a:ext cx="0" cy="12960000"/>
+          </a:xfrm>
+          <a:prstGeom prst="line">
+            <a:avLst/>
+          </a:prstGeom>
+        </p:spPr>
+        <p:style>
+          <a:lnRef idx="2">
+            <a:schemeClr val="accent1"/>
+          </a:lnRef>
+          <a:fillRef idx="0">
+            <a:schemeClr val="accent1"/>
+          </a:fillRef>
+          <a:effectRef idx="1">
+            <a:schemeClr val="accent1"/>
+          </a:effectRef>
+          <a:fontRef idx="minor">
+            <a:schemeClr val="tx1"/>
+          </a:fontRef>
+        </p:style>
+      </p:cxnSp>
+      <p:cxnSp>
+        <p:nvCxnSpPr>
+          <p:cNvPr id="51" name="直線コネクタ 50">
+            <a:extLst>
+              <a:ext uri="{FF2B5EF4-FFF2-40B4-BE49-F238E27FC236}">
+                <a16:creationId xmlns:a16="http://schemas.microsoft.com/office/drawing/2014/main" id="{C5FF192B-1A04-F820-BC90-71DC4E77008D}"/>
+              </a:ext>
+            </a:extLst>
+          </p:cNvPr>
+          <p:cNvCxnSpPr>
+            <a:cxnSpLocks/>
+          </p:cNvCxnSpPr>
+          <p:nvPr/>
+        </p:nvCxnSpPr>
+        <p:spPr>
+          <a:xfrm>
+            <a:off x="1620000" y="0"/>
+            <a:ext cx="0" cy="12960000"/>
+          </a:xfrm>
+          <a:prstGeom prst="line">
+            <a:avLst/>
+          </a:prstGeom>
+        </p:spPr>
+        <p:style>
+          <a:lnRef idx="2">
+            <a:schemeClr val="accent1"/>
+          </a:lnRef>
+          <a:fillRef idx="0">
+            <a:schemeClr val="accent1"/>
+          </a:fillRef>
+          <a:effectRef idx="1">
+            <a:schemeClr val="accent1"/>
+          </a:effectRef>
+          <a:fontRef idx="minor">
+            <a:schemeClr val="tx1"/>
+          </a:fontRef>
+        </p:style>
+      </p:cxnSp>
+      <p:cxnSp>
+        <p:nvCxnSpPr>
+          <p:cNvPr id="52" name="直線コネクタ 51">
+            <a:extLst>
+              <a:ext uri="{FF2B5EF4-FFF2-40B4-BE49-F238E27FC236}">
+                <a16:creationId xmlns:a16="http://schemas.microsoft.com/office/drawing/2014/main" id="{028F23AD-DA15-A098-91AB-AAB5417C55C8}"/>
+              </a:ext>
+            </a:extLst>
+          </p:cNvPr>
+          <p:cNvCxnSpPr>
+            <a:cxnSpLocks/>
+          </p:cNvCxnSpPr>
+          <p:nvPr/>
+        </p:nvCxnSpPr>
+        <p:spPr>
+          <a:xfrm>
+            <a:off x="3240000" y="0"/>
+            <a:ext cx="0" cy="12960000"/>
+          </a:xfrm>
+          <a:prstGeom prst="line">
+            <a:avLst/>
+          </a:prstGeom>
+        </p:spPr>
+        <p:style>
+          <a:lnRef idx="2">
+            <a:schemeClr val="accent1"/>
+          </a:lnRef>
+          <a:fillRef idx="0">
+            <a:schemeClr val="accent1"/>
+          </a:fillRef>
+          <a:effectRef idx="1">
+            <a:schemeClr val="accent1"/>
+          </a:effectRef>
+          <a:fontRef idx="minor">
+            <a:schemeClr val="tx1"/>
+          </a:fontRef>
+        </p:style>
+      </p:cxnSp>
+      <p:cxnSp>
+        <p:nvCxnSpPr>
+          <p:cNvPr id="53" name="直線コネクタ 52">
+            <a:extLst>
+              <a:ext uri="{FF2B5EF4-FFF2-40B4-BE49-F238E27FC236}">
+                <a16:creationId xmlns:a16="http://schemas.microsoft.com/office/drawing/2014/main" id="{B686696F-E726-3EBF-8585-B26CA4818A50}"/>
+              </a:ext>
+            </a:extLst>
+          </p:cNvPr>
+          <p:cNvCxnSpPr>
+            <a:cxnSpLocks/>
+          </p:cNvCxnSpPr>
+          <p:nvPr/>
+        </p:nvCxnSpPr>
+        <p:spPr>
+          <a:xfrm>
+            <a:off x="4860000" y="0"/>
+            <a:ext cx="0" cy="12960000"/>
+          </a:xfrm>
+          <a:prstGeom prst="line">
+            <a:avLst/>
+          </a:prstGeom>
+        </p:spPr>
+        <p:style>
+          <a:lnRef idx="2">
+            <a:schemeClr val="accent1"/>
+          </a:lnRef>
+          <a:fillRef idx="0">
+            <a:schemeClr val="accent1"/>
+          </a:fillRef>
+          <a:effectRef idx="1">
+            <a:schemeClr val="accent1"/>
+          </a:effectRef>
+          <a:fontRef idx="minor">
+            <a:schemeClr val="tx1"/>
+          </a:fontRef>
+        </p:style>
+      </p:cxnSp>
+      <p:cxnSp>
+        <p:nvCxnSpPr>
+          <p:cNvPr id="54" name="直線コネクタ 53">
+            <a:extLst>
+              <a:ext uri="{FF2B5EF4-FFF2-40B4-BE49-F238E27FC236}">
+                <a16:creationId xmlns:a16="http://schemas.microsoft.com/office/drawing/2014/main" id="{9DC28145-D757-3B8C-8891-07B0E11AD0B1}"/>
+              </a:ext>
+            </a:extLst>
+          </p:cNvPr>
+          <p:cNvCxnSpPr>
+            <a:cxnSpLocks/>
+          </p:cNvCxnSpPr>
+          <p:nvPr/>
+        </p:nvCxnSpPr>
+        <p:spPr>
+          <a:xfrm>
+            <a:off x="6480000" y="0"/>
+            <a:ext cx="0" cy="12960000"/>
+          </a:xfrm>
+          <a:prstGeom prst="line">
+            <a:avLst/>
+          </a:prstGeom>
+        </p:spPr>
+        <p:style>
+          <a:lnRef idx="2">
+            <a:schemeClr val="accent1"/>
+          </a:lnRef>
+          <a:fillRef idx="0">
+            <a:schemeClr val="accent1"/>
+          </a:fillRef>
+          <a:effectRef idx="1">
+            <a:schemeClr val="accent1"/>
+          </a:effectRef>
+          <a:fontRef idx="minor">
+            <a:schemeClr val="tx1"/>
+          </a:fontRef>
+        </p:style>
+      </p:cxnSp>
+      <p:cxnSp>
+        <p:nvCxnSpPr>
+          <p:cNvPr id="56" name="直線コネクタ 55">
+            <a:extLst>
+              <a:ext uri="{FF2B5EF4-FFF2-40B4-BE49-F238E27FC236}">
+                <a16:creationId xmlns:a16="http://schemas.microsoft.com/office/drawing/2014/main" id="{A5DA72EB-B8FE-A11E-C118-333445FB1009}"/>
+              </a:ext>
+            </a:extLst>
+          </p:cNvPr>
+          <p:cNvCxnSpPr>
+            <a:cxnSpLocks/>
+          </p:cNvCxnSpPr>
+          <p:nvPr/>
+        </p:nvCxnSpPr>
+        <p:spPr>
+          <a:xfrm>
+            <a:off x="0" y="0"/>
+            <a:ext cx="6480000" cy="0"/>
+          </a:xfrm>
+          <a:prstGeom prst="line">
+            <a:avLst/>
+          </a:prstGeom>
+        </p:spPr>
+        <p:style>
+          <a:lnRef idx="2">
+            <a:schemeClr val="accent1"/>
+          </a:lnRef>
+          <a:fillRef idx="0">
+            <a:schemeClr val="accent1"/>
+          </a:fillRef>
+          <a:effectRef idx="1">
+            <a:schemeClr val="accent1"/>
+          </a:effectRef>
+          <a:fontRef idx="minor">
+            <a:schemeClr val="tx1"/>
+          </a:fontRef>
+        </p:style>
+      </p:cxnSp>
+      <p:cxnSp>
+        <p:nvCxnSpPr>
+          <p:cNvPr id="57" name="直線コネクタ 56">
+            <a:extLst>
+              <a:ext uri="{FF2B5EF4-FFF2-40B4-BE49-F238E27FC236}">
+                <a16:creationId xmlns:a16="http://schemas.microsoft.com/office/drawing/2014/main" id="{CEA1884B-678B-E19D-D1EE-3A675B45A938}"/>
+              </a:ext>
+            </a:extLst>
+          </p:cNvPr>
+          <p:cNvCxnSpPr>
+            <a:cxnSpLocks/>
+          </p:cNvCxnSpPr>
+          <p:nvPr/>
+        </p:nvCxnSpPr>
+        <p:spPr>
+          <a:xfrm>
+            <a:off x="0" y="1620000"/>
+            <a:ext cx="6480000" cy="0"/>
+          </a:xfrm>
+          <a:prstGeom prst="line">
+            <a:avLst/>
+          </a:prstGeom>
+        </p:spPr>
+        <p:style>
+          <a:lnRef idx="2">
+            <a:schemeClr val="accent1"/>
+          </a:lnRef>
+          <a:fillRef idx="0">
+            <a:schemeClr val="accent1"/>
+          </a:fillRef>
+          <a:effectRef idx="1">
+            <a:schemeClr val="accent1"/>
+          </a:effectRef>
+          <a:fontRef idx="minor">
+            <a:schemeClr val="tx1"/>
+          </a:fontRef>
+        </p:style>
+      </p:cxnSp>
+      <p:cxnSp>
+        <p:nvCxnSpPr>
+          <p:cNvPr id="58" name="直線コネクタ 57">
+            <a:extLst>
+              <a:ext uri="{FF2B5EF4-FFF2-40B4-BE49-F238E27FC236}">
+                <a16:creationId xmlns:a16="http://schemas.microsoft.com/office/drawing/2014/main" id="{0482C7D1-7E13-A126-22A4-6BADA60E1C0C}"/>
+              </a:ext>
+            </a:extLst>
+          </p:cNvPr>
+          <p:cNvCxnSpPr>
+            <a:cxnSpLocks/>
+          </p:cNvCxnSpPr>
+          <p:nvPr/>
+        </p:nvCxnSpPr>
+        <p:spPr>
+          <a:xfrm>
+            <a:off x="0" y="3240000"/>
+            <a:ext cx="6480000" cy="0"/>
+          </a:xfrm>
+          <a:prstGeom prst="line">
+            <a:avLst/>
+          </a:prstGeom>
+        </p:spPr>
+        <p:style>
+          <a:lnRef idx="2">
+            <a:schemeClr val="accent1"/>
+          </a:lnRef>
+          <a:fillRef idx="0">
+            <a:schemeClr val="accent1"/>
+          </a:fillRef>
+          <a:effectRef idx="1">
+            <a:schemeClr val="accent1"/>
+          </a:effectRef>
+          <a:fontRef idx="minor">
+            <a:schemeClr val="tx1"/>
+          </a:fontRef>
+        </p:style>
+      </p:cxnSp>
+      <p:cxnSp>
+        <p:nvCxnSpPr>
+          <p:cNvPr id="59" name="直線コネクタ 58">
+            <a:extLst>
+              <a:ext uri="{FF2B5EF4-FFF2-40B4-BE49-F238E27FC236}">
+                <a16:creationId xmlns:a16="http://schemas.microsoft.com/office/drawing/2014/main" id="{876DEBCC-3B6C-0F5D-0D86-A0E6C8C09A1F}"/>
+              </a:ext>
+            </a:extLst>
+          </p:cNvPr>
+          <p:cNvCxnSpPr>
+            <a:cxnSpLocks/>
+          </p:cNvCxnSpPr>
+          <p:nvPr/>
+        </p:nvCxnSpPr>
+        <p:spPr>
+          <a:xfrm>
+            <a:off x="0" y="4860000"/>
+            <a:ext cx="6480000" cy="0"/>
+          </a:xfrm>
+          <a:prstGeom prst="line">
+            <a:avLst/>
+          </a:prstGeom>
+        </p:spPr>
+        <p:style>
+          <a:lnRef idx="2">
+            <a:schemeClr val="accent1"/>
+          </a:lnRef>
+          <a:fillRef idx="0">
+            <a:schemeClr val="accent1"/>
+          </a:fillRef>
+          <a:effectRef idx="1">
+            <a:schemeClr val="accent1"/>
+          </a:effectRef>
+          <a:fontRef idx="minor">
+            <a:schemeClr val="tx1"/>
+          </a:fontRef>
+        </p:style>
+      </p:cxnSp>
+      <p:cxnSp>
+        <p:nvCxnSpPr>
+          <p:cNvPr id="60" name="直線コネクタ 59">
+            <a:extLst>
+              <a:ext uri="{FF2B5EF4-FFF2-40B4-BE49-F238E27FC236}">
+                <a16:creationId xmlns:a16="http://schemas.microsoft.com/office/drawing/2014/main" id="{23A11C4F-A6D6-74A3-23C7-E2F5CF8F8940}"/>
+              </a:ext>
+            </a:extLst>
+          </p:cNvPr>
+          <p:cNvCxnSpPr>
+            <a:cxnSpLocks/>
+          </p:cNvCxnSpPr>
+          <p:nvPr/>
+        </p:nvCxnSpPr>
+        <p:spPr>
+          <a:xfrm>
+            <a:off x="0" y="6480000"/>
+            <a:ext cx="6480000" cy="0"/>
+          </a:xfrm>
+          <a:prstGeom prst="line">
+            <a:avLst/>
+          </a:prstGeom>
+        </p:spPr>
+        <p:style>
+          <a:lnRef idx="2">
+            <a:schemeClr val="accent1"/>
+          </a:lnRef>
+          <a:fillRef idx="0">
+            <a:schemeClr val="accent1"/>
+          </a:fillRef>
+          <a:effectRef idx="1">
+            <a:schemeClr val="accent1"/>
+          </a:effectRef>
+          <a:fontRef idx="minor">
+            <a:schemeClr val="tx1"/>
+          </a:fontRef>
+        </p:style>
+      </p:cxnSp>
+      <p:cxnSp>
+        <p:nvCxnSpPr>
+          <p:cNvPr id="61" name="直線コネクタ 60">
+            <a:extLst>
+              <a:ext uri="{FF2B5EF4-FFF2-40B4-BE49-F238E27FC236}">
+                <a16:creationId xmlns:a16="http://schemas.microsoft.com/office/drawing/2014/main" id="{998EFDA2-B7BF-56C8-4884-D5E199158FB1}"/>
+              </a:ext>
+            </a:extLst>
+          </p:cNvPr>
+          <p:cNvCxnSpPr>
+            <a:cxnSpLocks/>
+          </p:cNvCxnSpPr>
+          <p:nvPr/>
+        </p:nvCxnSpPr>
+        <p:spPr>
+          <a:xfrm>
+            <a:off x="0" y="8100000"/>
+            <a:ext cx="6480000" cy="0"/>
+          </a:xfrm>
+          <a:prstGeom prst="line">
+            <a:avLst/>
+          </a:prstGeom>
+        </p:spPr>
+        <p:style>
+          <a:lnRef idx="2">
+            <a:schemeClr val="accent1"/>
+          </a:lnRef>
+          <a:fillRef idx="0">
+            <a:schemeClr val="accent1"/>
+          </a:fillRef>
+          <a:effectRef idx="1">
+            <a:schemeClr val="accent1"/>
+          </a:effectRef>
+          <a:fontRef idx="minor">
+            <a:schemeClr val="tx1"/>
+          </a:fontRef>
+        </p:style>
+      </p:cxnSp>
+      <p:cxnSp>
+        <p:nvCxnSpPr>
+          <p:cNvPr id="62" name="直線コネクタ 61">
+            <a:extLst>
+              <a:ext uri="{FF2B5EF4-FFF2-40B4-BE49-F238E27FC236}">
+                <a16:creationId xmlns:a16="http://schemas.microsoft.com/office/drawing/2014/main" id="{D0D698F4-85D4-9ED2-8C72-5F83E58F974A}"/>
+              </a:ext>
+            </a:extLst>
+          </p:cNvPr>
+          <p:cNvCxnSpPr>
+            <a:cxnSpLocks/>
+          </p:cNvCxnSpPr>
+          <p:nvPr/>
+        </p:nvCxnSpPr>
+        <p:spPr>
+          <a:xfrm>
+            <a:off x="0" y="9720000"/>
+            <a:ext cx="6480000" cy="0"/>
+          </a:xfrm>
+          <a:prstGeom prst="line">
+            <a:avLst/>
+          </a:prstGeom>
+        </p:spPr>
+        <p:style>
+          <a:lnRef idx="2">
+            <a:schemeClr val="accent1"/>
+          </a:lnRef>
+          <a:fillRef idx="0">
+            <a:schemeClr val="accent1"/>
+          </a:fillRef>
+          <a:effectRef idx="1">
+            <a:schemeClr val="accent1"/>
+          </a:effectRef>
+          <a:fontRef idx="minor">
+            <a:schemeClr val="tx1"/>
+          </a:fontRef>
+        </p:style>
+      </p:cxnSp>
+      <p:cxnSp>
+        <p:nvCxnSpPr>
+          <p:cNvPr id="63" name="直線コネクタ 62">
+            <a:extLst>
+              <a:ext uri="{FF2B5EF4-FFF2-40B4-BE49-F238E27FC236}">
+                <a16:creationId xmlns:a16="http://schemas.microsoft.com/office/drawing/2014/main" id="{C292CD3A-7F2C-D9D0-3D12-CFA15E2B2C7A}"/>
+              </a:ext>
+            </a:extLst>
+          </p:cNvPr>
+          <p:cNvCxnSpPr>
+            <a:cxnSpLocks/>
+          </p:cNvCxnSpPr>
+          <p:nvPr/>
+        </p:nvCxnSpPr>
+        <p:spPr>
+          <a:xfrm>
+            <a:off x="0" y="11340000"/>
+            <a:ext cx="6480000" cy="0"/>
+          </a:xfrm>
+          <a:prstGeom prst="line">
+            <a:avLst/>
+          </a:prstGeom>
+        </p:spPr>
+        <p:style>
+          <a:lnRef idx="2">
+            <a:schemeClr val="accent1"/>
+          </a:lnRef>
+          <a:fillRef idx="0">
+            <a:schemeClr val="accent1"/>
+          </a:fillRef>
+          <a:effectRef idx="1">
+            <a:schemeClr val="accent1"/>
+          </a:effectRef>
+          <a:fontRef idx="minor">
+            <a:schemeClr val="tx1"/>
+          </a:fontRef>
+        </p:style>
+      </p:cxnSp>
+      <p:cxnSp>
+        <p:nvCxnSpPr>
+          <p:cNvPr id="64" name="直線コネクタ 63">
+            <a:extLst>
+              <a:ext uri="{FF2B5EF4-FFF2-40B4-BE49-F238E27FC236}">
+                <a16:creationId xmlns:a16="http://schemas.microsoft.com/office/drawing/2014/main" id="{2B4818B9-0F36-68E3-1652-1F9789DD5794}"/>
+              </a:ext>
+            </a:extLst>
+          </p:cNvPr>
+          <p:cNvCxnSpPr>
+            <a:cxnSpLocks/>
+          </p:cNvCxnSpPr>
+          <p:nvPr/>
+        </p:nvCxnSpPr>
+        <p:spPr>
+          <a:xfrm>
+            <a:off x="0" y="12960000"/>
+            <a:ext cx="6480000" cy="0"/>
+          </a:xfrm>
+          <a:prstGeom prst="line">
+            <a:avLst/>
+          </a:prstGeom>
+        </p:spPr>
+        <p:style>
+          <a:lnRef idx="2">
+            <a:schemeClr val="accent1"/>
+          </a:lnRef>
+          <a:fillRef idx="0">
+            <a:schemeClr val="accent1"/>
+          </a:fillRef>
+          <a:effectRef idx="1">
+            <a:schemeClr val="accent1"/>
+          </a:effectRef>
+          <a:fontRef idx="minor">
+            <a:schemeClr val="tx1"/>
+          </a:fontRef>
+        </p:style>
+      </p:cxnSp>
+    </p:spTree>
+    <p:extLst>
+      <p:ext uri="{BB962C8B-B14F-4D97-AF65-F5344CB8AC3E}">
+        <p14:creationId xmlns:p14="http://schemas.microsoft.com/office/powerpoint/2010/main" val="2640821074"/>
+      </p:ext>
+    </p:extLst>
+  </p:cSld>
+  <p:clrMapOvr>
+    <a:masterClrMapping/>
+  </p:clrMapOvr>
+</p:sld>
+</file>
+
+<file path=ppt/slides/slide3.xml><?xml version="1.0" encoding="utf-8"?>
+<p:sld xmlns:a="http://schemas.openxmlformats.org/drawingml/2006/main" xmlns:r="http://schemas.openxmlformats.org/officeDocument/2006/relationships" xmlns:p="http://schemas.openxmlformats.org/presentationml/2006/main">
+  <p:cSld>
+    <p:spTree>
+      <p:nvGrpSpPr>
+        <p:cNvPr id="1" name=""/>
+        <p:cNvGrpSpPr/>
+        <p:nvPr/>
+      </p:nvGrpSpPr>
+      <p:grpSpPr>
+        <a:xfrm>
+          <a:off x="0" y="0"/>
+          <a:ext cx="0" cy="0"/>
+          <a:chOff x="0" y="0"/>
+          <a:chExt cx="0" cy="0"/>
+        </a:xfrm>
+      </p:grpSpPr>
+      <p:grpSp>
+        <p:nvGrpSpPr>
+          <p:cNvPr id="38" name="グループ化 37">
+            <a:extLst>
+              <a:ext uri="{FF2B5EF4-FFF2-40B4-BE49-F238E27FC236}">
+                <a16:creationId xmlns:a16="http://schemas.microsoft.com/office/drawing/2014/main" id="{D3876D13-AF46-5925-1968-2F033A2DC786}"/>
+              </a:ext>
+            </a:extLst>
+          </p:cNvPr>
+          <p:cNvGrpSpPr/>
+          <p:nvPr/>
+        </p:nvGrpSpPr>
+        <p:grpSpPr>
+          <a:xfrm>
+            <a:off x="0" y="-1"/>
+            <a:ext cx="6480358" cy="12968524"/>
+            <a:chOff x="0" y="-1"/>
+            <a:chExt cx="6480358" cy="12968524"/>
+          </a:xfrm>
+        </p:grpSpPr>
+        <p:sp>
+          <p:nvSpPr>
+            <p:cNvPr id="2" name="正方形/長方形 1">
+              <a:extLst>
+                <a:ext uri="{FF2B5EF4-FFF2-40B4-BE49-F238E27FC236}">
+                  <a16:creationId xmlns:a16="http://schemas.microsoft.com/office/drawing/2014/main" id="{E6F30D11-B60A-A343-4F94-04F6E2184128}"/>
+                </a:ext>
+              </a:extLst>
+            </p:cNvPr>
+            <p:cNvSpPr/>
+            <p:nvPr/>
+          </p:nvSpPr>
+          <p:spPr>
+            <a:xfrm>
+              <a:off x="0" y="0"/>
+              <a:ext cx="6480000" cy="12960000"/>
+            </a:xfrm>
+            <a:prstGeom prst="rect">
+              <a:avLst/>
+            </a:prstGeom>
+            <a:solidFill>
+              <a:srgbClr val="58BF56"/>
+            </a:solidFill>
+            <a:ln>
+              <a:noFill/>
+            </a:ln>
+          </p:spPr>
+          <p:style>
+            <a:lnRef idx="2">
+              <a:schemeClr val="accent1">
+                <a:shade val="15000"/>
+              </a:schemeClr>
+            </a:lnRef>
+            <a:fillRef idx="1">
+              <a:schemeClr val="accent1"/>
+            </a:fillRef>
+            <a:effectRef idx="0">
+              <a:schemeClr val="accent1"/>
+            </a:effectRef>
+            <a:fontRef idx="minor">
+              <a:schemeClr val="lt1"/>
+            </a:fontRef>
+          </p:style>
+          <p:txBody>
+            <a:bodyPr rtlCol="0" anchor="ctr"/>
+            <a:lstStyle/>
+            <a:p>
+              <a:pPr algn="ctr"/>
+              <a:endParaRPr kumimoji="1" lang="ja-JP" altLang="en-US"/>
+            </a:p>
+          </p:txBody>
+        </p:sp>
+        <p:sp>
+          <p:nvSpPr>
+            <p:cNvPr id="3" name="三角形 2">
+              <a:extLst>
+                <a:ext uri="{FF2B5EF4-FFF2-40B4-BE49-F238E27FC236}">
+                  <a16:creationId xmlns:a16="http://schemas.microsoft.com/office/drawing/2014/main" id="{E7E620E8-2C52-8356-F2DD-22FE7998293D}"/>
+                </a:ext>
+              </a:extLst>
+            </p:cNvPr>
+            <p:cNvSpPr/>
+            <p:nvPr/>
+          </p:nvSpPr>
+          <p:spPr>
+            <a:xfrm rot="10800000">
+              <a:off x="3177809" y="0"/>
+              <a:ext cx="129600" cy="129600"/>
+            </a:xfrm>
+            <a:prstGeom prst="triangle">
+              <a:avLst/>
+            </a:prstGeom>
+            <a:solidFill>
+              <a:schemeClr val="bg1"/>
+            </a:solidFill>
+            <a:ln>
+              <a:noFill/>
+            </a:ln>
+          </p:spPr>
+          <p:style>
+            <a:lnRef idx="2">
+              <a:schemeClr val="accent1">
+                <a:shade val="15000"/>
+              </a:schemeClr>
+            </a:lnRef>
+            <a:fillRef idx="1">
+              <a:schemeClr val="accent1"/>
+            </a:fillRef>
+            <a:effectRef idx="0">
+              <a:schemeClr val="accent1"/>
+            </a:effectRef>
+            <a:fontRef idx="minor">
+              <a:schemeClr val="lt1"/>
+            </a:fontRef>
+          </p:style>
+          <p:txBody>
+            <a:bodyPr rtlCol="0" anchor="ctr"/>
+            <a:lstStyle/>
+            <a:p>
+              <a:pPr algn="ctr"/>
+              <a:endParaRPr kumimoji="1" lang="ja-JP" altLang="en-US"/>
+            </a:p>
+          </p:txBody>
+        </p:sp>
+        <p:sp>
+          <p:nvSpPr>
+            <p:cNvPr id="4" name="三角形 3">
+              <a:extLst>
+                <a:ext uri="{FF2B5EF4-FFF2-40B4-BE49-F238E27FC236}">
+                  <a16:creationId xmlns:a16="http://schemas.microsoft.com/office/drawing/2014/main" id="{D91318DB-17D1-683E-B0AB-ED37CD93409A}"/>
+                </a:ext>
+              </a:extLst>
+            </p:cNvPr>
+            <p:cNvSpPr/>
+            <p:nvPr/>
+          </p:nvSpPr>
+          <p:spPr>
+            <a:xfrm rot="10800000">
+              <a:off x="1555200" y="1"/>
+              <a:ext cx="129600" cy="129600"/>
+            </a:xfrm>
+            <a:prstGeom prst="triangle">
+              <a:avLst/>
+            </a:prstGeom>
+            <a:solidFill>
+              <a:schemeClr val="bg1"/>
+            </a:solidFill>
+            <a:ln>
+              <a:noFill/>
+            </a:ln>
+          </p:spPr>
+          <p:style>
+            <a:lnRef idx="2">
+              <a:schemeClr val="accent1">
+                <a:shade val="15000"/>
+              </a:schemeClr>
+            </a:lnRef>
+            <a:fillRef idx="1">
+              <a:schemeClr val="accent1"/>
+            </a:fillRef>
+            <a:effectRef idx="0">
+              <a:schemeClr val="accent1"/>
+            </a:effectRef>
+            <a:fontRef idx="minor">
+              <a:schemeClr val="lt1"/>
+            </a:fontRef>
+          </p:style>
+          <p:txBody>
+            <a:bodyPr rtlCol="0" anchor="ctr"/>
+            <a:lstStyle/>
+            <a:p>
+              <a:pPr algn="ctr"/>
+              <a:endParaRPr kumimoji="1" lang="ja-JP" altLang="en-US"/>
+            </a:p>
+          </p:txBody>
+        </p:sp>
+        <p:sp>
+          <p:nvSpPr>
+            <p:cNvPr id="5" name="三角形 4">
+              <a:extLst>
+                <a:ext uri="{FF2B5EF4-FFF2-40B4-BE49-F238E27FC236}">
+                  <a16:creationId xmlns:a16="http://schemas.microsoft.com/office/drawing/2014/main" id="{6A4B1DF7-8E49-1941-6082-1F2FE64A9E7E}"/>
+                </a:ext>
+              </a:extLst>
+            </p:cNvPr>
+            <p:cNvSpPr/>
+            <p:nvPr/>
+          </p:nvSpPr>
+          <p:spPr>
+            <a:xfrm rot="10800000">
+              <a:off x="4794418" y="-1"/>
+              <a:ext cx="129600" cy="129600"/>
+            </a:xfrm>
+            <a:prstGeom prst="triangle">
+              <a:avLst/>
+            </a:prstGeom>
+            <a:solidFill>
+              <a:schemeClr val="bg1"/>
+            </a:solidFill>
+            <a:ln>
+              <a:noFill/>
+            </a:ln>
+          </p:spPr>
+          <p:style>
+            <a:lnRef idx="2">
+              <a:schemeClr val="accent1">
+                <a:shade val="15000"/>
+              </a:schemeClr>
+            </a:lnRef>
+            <a:fillRef idx="1">
+              <a:schemeClr val="accent1"/>
+            </a:fillRef>
+            <a:effectRef idx="0">
+              <a:schemeClr val="accent1"/>
+            </a:effectRef>
+            <a:fontRef idx="minor">
+              <a:schemeClr val="lt1"/>
+            </a:fontRef>
+          </p:style>
+          <p:txBody>
+            <a:bodyPr rtlCol="0" anchor="ctr"/>
+            <a:lstStyle/>
+            <a:p>
+              <a:pPr algn="ctr"/>
+              <a:endParaRPr kumimoji="1" lang="ja-JP" altLang="en-US"/>
+            </a:p>
+          </p:txBody>
+        </p:sp>
+        <p:sp>
+          <p:nvSpPr>
+            <p:cNvPr id="6" name="三角形 5">
+              <a:extLst>
+                <a:ext uri="{FF2B5EF4-FFF2-40B4-BE49-F238E27FC236}">
+                  <a16:creationId xmlns:a16="http://schemas.microsoft.com/office/drawing/2014/main" id="{67923801-ABEF-0ED9-B8D6-DD2D826CBABF}"/>
+                </a:ext>
+              </a:extLst>
+            </p:cNvPr>
+            <p:cNvSpPr/>
+            <p:nvPr/>
+          </p:nvSpPr>
+          <p:spPr>
+            <a:xfrm>
+              <a:off x="3172142" y="12838923"/>
+              <a:ext cx="129600" cy="129600"/>
+            </a:xfrm>
+            <a:prstGeom prst="triangle">
+              <a:avLst/>
+            </a:prstGeom>
+            <a:solidFill>
+              <a:schemeClr val="bg1"/>
+            </a:solidFill>
+            <a:ln>
+              <a:noFill/>
+            </a:ln>
+          </p:spPr>
+          <p:style>
+            <a:lnRef idx="2">
+              <a:schemeClr val="accent1">
+                <a:shade val="15000"/>
+              </a:schemeClr>
+            </a:lnRef>
+            <a:fillRef idx="1">
+              <a:schemeClr val="accent1"/>
+            </a:fillRef>
+            <a:effectRef idx="0">
+              <a:schemeClr val="accent1"/>
+            </a:effectRef>
+            <a:fontRef idx="minor">
+              <a:schemeClr val="lt1"/>
+            </a:fontRef>
+          </p:style>
+          <p:txBody>
+            <a:bodyPr rtlCol="0" anchor="ctr"/>
+            <a:lstStyle/>
+            <a:p>
+              <a:pPr algn="ctr"/>
+              <a:endParaRPr kumimoji="1" lang="ja-JP" altLang="en-US"/>
+            </a:p>
+          </p:txBody>
+        </p:sp>
+        <p:sp>
+          <p:nvSpPr>
+            <p:cNvPr id="7" name="三角形 6">
+              <a:extLst>
+                <a:ext uri="{FF2B5EF4-FFF2-40B4-BE49-F238E27FC236}">
+                  <a16:creationId xmlns:a16="http://schemas.microsoft.com/office/drawing/2014/main" id="{991352C5-A81F-7D51-F27F-56C4AFCB6EB7}"/>
+                </a:ext>
+              </a:extLst>
+            </p:cNvPr>
+            <p:cNvSpPr/>
+            <p:nvPr/>
+          </p:nvSpPr>
+          <p:spPr>
+            <a:xfrm>
+              <a:off x="4794418" y="12830400"/>
+              <a:ext cx="129600" cy="129600"/>
+            </a:xfrm>
+            <a:prstGeom prst="triangle">
+              <a:avLst/>
+            </a:prstGeom>
+            <a:solidFill>
+              <a:schemeClr val="bg1"/>
+            </a:solidFill>
+            <a:ln>
+              <a:noFill/>
+            </a:ln>
+          </p:spPr>
+          <p:style>
+            <a:lnRef idx="2">
+              <a:schemeClr val="accent1">
+                <a:shade val="15000"/>
+              </a:schemeClr>
+            </a:lnRef>
+            <a:fillRef idx="1">
+              <a:schemeClr val="accent1"/>
+            </a:fillRef>
+            <a:effectRef idx="0">
+              <a:schemeClr val="accent1"/>
+            </a:effectRef>
+            <a:fontRef idx="minor">
+              <a:schemeClr val="lt1"/>
+            </a:fontRef>
+          </p:style>
+          <p:txBody>
+            <a:bodyPr rtlCol="0" anchor="ctr"/>
+            <a:lstStyle/>
+            <a:p>
+              <a:pPr algn="ctr"/>
+              <a:endParaRPr kumimoji="1" lang="ja-JP" altLang="en-US"/>
+            </a:p>
+          </p:txBody>
+        </p:sp>
+        <p:sp>
+          <p:nvSpPr>
+            <p:cNvPr id="8" name="三角形 7">
+              <a:extLst>
+                <a:ext uri="{FF2B5EF4-FFF2-40B4-BE49-F238E27FC236}">
+                  <a16:creationId xmlns:a16="http://schemas.microsoft.com/office/drawing/2014/main" id="{7C0FE5B4-77AD-2FF2-D70D-E315F5E70E91}"/>
+                </a:ext>
+              </a:extLst>
+            </p:cNvPr>
+            <p:cNvSpPr/>
+            <p:nvPr/>
+          </p:nvSpPr>
+          <p:spPr>
+            <a:xfrm>
+              <a:off x="1549084" y="12830400"/>
+              <a:ext cx="129600" cy="129600"/>
+            </a:xfrm>
+            <a:prstGeom prst="triangle">
+              <a:avLst/>
+            </a:prstGeom>
+            <a:solidFill>
+              <a:schemeClr val="bg1"/>
+            </a:solidFill>
+            <a:ln>
+              <a:noFill/>
+            </a:ln>
+          </p:spPr>
+          <p:style>
+            <a:lnRef idx="2">
+              <a:schemeClr val="accent1">
+                <a:shade val="15000"/>
+              </a:schemeClr>
+            </a:lnRef>
+            <a:fillRef idx="1">
+              <a:schemeClr val="accent1"/>
+            </a:fillRef>
+            <a:effectRef idx="0">
+              <a:schemeClr val="accent1"/>
+            </a:effectRef>
+            <a:fontRef idx="minor">
+              <a:schemeClr val="lt1"/>
+            </a:fontRef>
+          </p:style>
+          <p:txBody>
+            <a:bodyPr rtlCol="0" anchor="ctr"/>
+            <a:lstStyle/>
+            <a:p>
+              <a:pPr algn="ctr"/>
+              <a:endParaRPr kumimoji="1" lang="ja-JP" altLang="en-US"/>
+            </a:p>
+          </p:txBody>
+        </p:sp>
+        <p:sp>
+          <p:nvSpPr>
+            <p:cNvPr id="9" name="三角形 8">
+              <a:extLst>
+                <a:ext uri="{FF2B5EF4-FFF2-40B4-BE49-F238E27FC236}">
+                  <a16:creationId xmlns:a16="http://schemas.microsoft.com/office/drawing/2014/main" id="{7081BB51-642D-1AA7-70D4-A39C16651BD3}"/>
+                </a:ext>
+              </a:extLst>
+            </p:cNvPr>
+            <p:cNvSpPr/>
+            <p:nvPr/>
+          </p:nvSpPr>
+          <p:spPr>
+            <a:xfrm rot="5400000">
+              <a:off x="0" y="1555200"/>
+              <a:ext cx="129600" cy="129600"/>
+            </a:xfrm>
+            <a:prstGeom prst="triangle">
+              <a:avLst/>
+            </a:prstGeom>
+            <a:solidFill>
+              <a:schemeClr val="bg1"/>
+            </a:solidFill>
+            <a:ln>
+              <a:noFill/>
+            </a:ln>
+          </p:spPr>
+          <p:style>
+            <a:lnRef idx="2">
+              <a:schemeClr val="accent1">
+                <a:shade val="15000"/>
+              </a:schemeClr>
+            </a:lnRef>
+            <a:fillRef idx="1">
+              <a:schemeClr val="accent1"/>
+            </a:fillRef>
+            <a:effectRef idx="0">
+              <a:schemeClr val="accent1"/>
+            </a:effectRef>
+            <a:fontRef idx="minor">
+              <a:schemeClr val="lt1"/>
+            </a:fontRef>
+          </p:style>
+          <p:txBody>
+            <a:bodyPr rtlCol="0" anchor="ctr"/>
+            <a:lstStyle/>
+            <a:p>
+              <a:pPr algn="ctr"/>
+              <a:endParaRPr kumimoji="1" lang="ja-JP" altLang="en-US"/>
+            </a:p>
+          </p:txBody>
+        </p:sp>
+        <p:sp>
+          <p:nvSpPr>
+            <p:cNvPr id="10" name="三角形 9">
+              <a:extLst>
+                <a:ext uri="{FF2B5EF4-FFF2-40B4-BE49-F238E27FC236}">
+                  <a16:creationId xmlns:a16="http://schemas.microsoft.com/office/drawing/2014/main" id="{9B589E1D-6AB1-41A1-9BB5-10C8222323C5}"/>
+                </a:ext>
+              </a:extLst>
+            </p:cNvPr>
+            <p:cNvSpPr/>
+            <p:nvPr/>
+          </p:nvSpPr>
+          <p:spPr>
+            <a:xfrm rot="5400000">
+              <a:off x="0" y="3175200"/>
+              <a:ext cx="129600" cy="129600"/>
+            </a:xfrm>
+            <a:prstGeom prst="triangle">
+              <a:avLst/>
+            </a:prstGeom>
+            <a:solidFill>
+              <a:schemeClr val="bg1"/>
+            </a:solidFill>
+            <a:ln>
+              <a:noFill/>
+            </a:ln>
+          </p:spPr>
+          <p:style>
+            <a:lnRef idx="2">
+              <a:schemeClr val="accent1">
+                <a:shade val="15000"/>
+              </a:schemeClr>
+            </a:lnRef>
+            <a:fillRef idx="1">
+              <a:schemeClr val="accent1"/>
+            </a:fillRef>
+            <a:effectRef idx="0">
+              <a:schemeClr val="accent1"/>
+            </a:effectRef>
+            <a:fontRef idx="minor">
+              <a:schemeClr val="lt1"/>
+            </a:fontRef>
+          </p:style>
+          <p:txBody>
+            <a:bodyPr rtlCol="0" anchor="ctr"/>
+            <a:lstStyle/>
+            <a:p>
+              <a:pPr algn="ctr"/>
+              <a:endParaRPr kumimoji="1" lang="ja-JP" altLang="en-US"/>
+            </a:p>
+          </p:txBody>
+        </p:sp>
+        <p:sp>
+          <p:nvSpPr>
+            <p:cNvPr id="11" name="三角形 10">
+              <a:extLst>
+                <a:ext uri="{FF2B5EF4-FFF2-40B4-BE49-F238E27FC236}">
+                  <a16:creationId xmlns:a16="http://schemas.microsoft.com/office/drawing/2014/main" id="{7CCA2FB2-1D4A-16F6-D338-4C672EBC88B7}"/>
+                </a:ext>
+              </a:extLst>
+            </p:cNvPr>
+            <p:cNvSpPr/>
+            <p:nvPr/>
+          </p:nvSpPr>
+          <p:spPr>
+            <a:xfrm rot="5400000">
+              <a:off x="0" y="4795200"/>
+              <a:ext cx="129600" cy="129600"/>
+            </a:xfrm>
+            <a:prstGeom prst="triangle">
+              <a:avLst/>
+            </a:prstGeom>
+            <a:solidFill>
+              <a:schemeClr val="bg1"/>
+            </a:solidFill>
+            <a:ln>
+              <a:noFill/>
+            </a:ln>
+          </p:spPr>
+          <p:style>
+            <a:lnRef idx="2">
+              <a:schemeClr val="accent1">
+                <a:shade val="15000"/>
+              </a:schemeClr>
+            </a:lnRef>
+            <a:fillRef idx="1">
+              <a:schemeClr val="accent1"/>
+            </a:fillRef>
+            <a:effectRef idx="0">
+              <a:schemeClr val="accent1"/>
+            </a:effectRef>
+            <a:fontRef idx="minor">
+              <a:schemeClr val="lt1"/>
+            </a:fontRef>
+          </p:style>
+          <p:txBody>
+            <a:bodyPr rtlCol="0" anchor="ctr"/>
+            <a:lstStyle/>
+            <a:p>
+              <a:pPr algn="ctr"/>
+              <a:endParaRPr kumimoji="1" lang="ja-JP" altLang="en-US"/>
+            </a:p>
+          </p:txBody>
+        </p:sp>
+        <p:sp>
+          <p:nvSpPr>
+            <p:cNvPr id="12" name="三角形 11">
+              <a:extLst>
+                <a:ext uri="{FF2B5EF4-FFF2-40B4-BE49-F238E27FC236}">
+                  <a16:creationId xmlns:a16="http://schemas.microsoft.com/office/drawing/2014/main" id="{CE4804BF-936F-4198-1321-BDE456CBF7AC}"/>
+                </a:ext>
+              </a:extLst>
+            </p:cNvPr>
+            <p:cNvSpPr/>
+            <p:nvPr/>
+          </p:nvSpPr>
+          <p:spPr>
+            <a:xfrm rot="16200000">
+              <a:off x="6350400" y="4795200"/>
+              <a:ext cx="129600" cy="129600"/>
+            </a:xfrm>
+            <a:prstGeom prst="triangle">
+              <a:avLst/>
+            </a:prstGeom>
+            <a:solidFill>
+              <a:schemeClr val="bg1"/>
+            </a:solidFill>
+            <a:ln>
+              <a:noFill/>
+            </a:ln>
+          </p:spPr>
+          <p:style>
+            <a:lnRef idx="2">
+              <a:schemeClr val="accent1">
+                <a:shade val="15000"/>
+              </a:schemeClr>
+            </a:lnRef>
+            <a:fillRef idx="1">
+              <a:schemeClr val="accent1"/>
+            </a:fillRef>
+            <a:effectRef idx="0">
+              <a:schemeClr val="accent1"/>
+            </a:effectRef>
+            <a:fontRef idx="minor">
+              <a:schemeClr val="lt1"/>
+            </a:fontRef>
+          </p:style>
+          <p:txBody>
+            <a:bodyPr rtlCol="0" anchor="ctr"/>
+            <a:lstStyle/>
+            <a:p>
+              <a:pPr algn="ctr"/>
+              <a:endParaRPr kumimoji="1" lang="ja-JP" altLang="en-US"/>
+            </a:p>
+          </p:txBody>
+        </p:sp>
+        <p:sp>
+          <p:nvSpPr>
+            <p:cNvPr id="13" name="三角形 12">
+              <a:extLst>
+                <a:ext uri="{FF2B5EF4-FFF2-40B4-BE49-F238E27FC236}">
+                  <a16:creationId xmlns:a16="http://schemas.microsoft.com/office/drawing/2014/main" id="{9DF45800-E658-D6F1-4F9C-212F4C8F6D66}"/>
+                </a:ext>
+              </a:extLst>
+            </p:cNvPr>
+            <p:cNvSpPr/>
+            <p:nvPr/>
+          </p:nvSpPr>
+          <p:spPr>
+            <a:xfrm rot="16200000">
+              <a:off x="6350400" y="3175200"/>
+              <a:ext cx="129600" cy="129600"/>
+            </a:xfrm>
+            <a:prstGeom prst="triangle">
+              <a:avLst/>
+            </a:prstGeom>
+            <a:solidFill>
+              <a:schemeClr val="bg1"/>
+            </a:solidFill>
+            <a:ln>
+              <a:noFill/>
+            </a:ln>
+          </p:spPr>
+          <p:style>
+            <a:lnRef idx="2">
+              <a:schemeClr val="accent1">
+                <a:shade val="15000"/>
+              </a:schemeClr>
+            </a:lnRef>
+            <a:fillRef idx="1">
+              <a:schemeClr val="accent1"/>
+            </a:fillRef>
+            <a:effectRef idx="0">
+              <a:schemeClr val="accent1"/>
+            </a:effectRef>
+            <a:fontRef idx="minor">
+              <a:schemeClr val="lt1"/>
+            </a:fontRef>
+          </p:style>
+          <p:txBody>
+            <a:bodyPr rtlCol="0" anchor="ctr"/>
+            <a:lstStyle/>
+            <a:p>
+              <a:pPr algn="ctr"/>
+              <a:endParaRPr kumimoji="1" lang="ja-JP" altLang="en-US"/>
+            </a:p>
+          </p:txBody>
+        </p:sp>
+        <p:sp>
+          <p:nvSpPr>
+            <p:cNvPr id="14" name="三角形 13">
+              <a:extLst>
+                <a:ext uri="{FF2B5EF4-FFF2-40B4-BE49-F238E27FC236}">
+                  <a16:creationId xmlns:a16="http://schemas.microsoft.com/office/drawing/2014/main" id="{5E60DEA9-9B3B-1AB1-52CC-2569B5A3BCA8}"/>
+                </a:ext>
+              </a:extLst>
+            </p:cNvPr>
+            <p:cNvSpPr/>
+            <p:nvPr/>
+          </p:nvSpPr>
+          <p:spPr>
+            <a:xfrm rot="16200000">
+              <a:off x="6350400" y="1561760"/>
+              <a:ext cx="129600" cy="129600"/>
+            </a:xfrm>
+            <a:prstGeom prst="triangle">
+              <a:avLst/>
+            </a:prstGeom>
+            <a:solidFill>
+              <a:schemeClr val="bg1"/>
+            </a:solidFill>
+            <a:ln>
+              <a:noFill/>
+            </a:ln>
+          </p:spPr>
+          <p:style>
+            <a:lnRef idx="2">
+              <a:schemeClr val="accent1">
+                <a:shade val="15000"/>
+              </a:schemeClr>
+            </a:lnRef>
+            <a:fillRef idx="1">
+              <a:schemeClr val="accent1"/>
+            </a:fillRef>
+            <a:effectRef idx="0">
+              <a:schemeClr val="accent1"/>
+            </a:effectRef>
+            <a:fontRef idx="minor">
+              <a:schemeClr val="lt1"/>
+            </a:fontRef>
+          </p:style>
+          <p:txBody>
+            <a:bodyPr rtlCol="0" anchor="ctr"/>
+            <a:lstStyle/>
+            <a:p>
+              <a:pPr algn="ctr"/>
+              <a:endParaRPr kumimoji="1" lang="ja-JP" altLang="en-US"/>
+            </a:p>
+          </p:txBody>
+        </p:sp>
+        <p:sp>
+          <p:nvSpPr>
+            <p:cNvPr id="15" name="三角形 14">
+              <a:extLst>
+                <a:ext uri="{FF2B5EF4-FFF2-40B4-BE49-F238E27FC236}">
+                  <a16:creationId xmlns:a16="http://schemas.microsoft.com/office/drawing/2014/main" id="{6BE91493-398F-4282-4390-2547350A6E9B}"/>
+                </a:ext>
+              </a:extLst>
+            </p:cNvPr>
+            <p:cNvSpPr/>
+            <p:nvPr/>
+          </p:nvSpPr>
+          <p:spPr>
+            <a:xfrm rot="5400000">
+              <a:off x="0" y="8035200"/>
+              <a:ext cx="129600" cy="129600"/>
+            </a:xfrm>
+            <a:prstGeom prst="triangle">
+              <a:avLst/>
+            </a:prstGeom>
+            <a:solidFill>
+              <a:schemeClr val="bg1"/>
+            </a:solidFill>
+            <a:ln>
+              <a:noFill/>
+            </a:ln>
+          </p:spPr>
+          <p:style>
+            <a:lnRef idx="2">
+              <a:schemeClr val="accent1">
+                <a:shade val="15000"/>
+              </a:schemeClr>
+            </a:lnRef>
+            <a:fillRef idx="1">
+              <a:schemeClr val="accent1"/>
+            </a:fillRef>
+            <a:effectRef idx="0">
+              <a:schemeClr val="accent1"/>
+            </a:effectRef>
+            <a:fontRef idx="minor">
+              <a:schemeClr val="lt1"/>
+            </a:fontRef>
+          </p:style>
+          <p:txBody>
+            <a:bodyPr rtlCol="0" anchor="ctr"/>
+            <a:lstStyle/>
+            <a:p>
+              <a:pPr algn="ctr"/>
+              <a:endParaRPr kumimoji="1" lang="ja-JP" altLang="en-US"/>
+            </a:p>
+          </p:txBody>
+        </p:sp>
+        <p:sp>
+          <p:nvSpPr>
+            <p:cNvPr id="16" name="三角形 15">
+              <a:extLst>
+                <a:ext uri="{FF2B5EF4-FFF2-40B4-BE49-F238E27FC236}">
+                  <a16:creationId xmlns:a16="http://schemas.microsoft.com/office/drawing/2014/main" id="{28E265CE-173F-E353-DF7E-C2598E03AF86}"/>
+                </a:ext>
+              </a:extLst>
+            </p:cNvPr>
+            <p:cNvSpPr/>
+            <p:nvPr/>
+          </p:nvSpPr>
+          <p:spPr>
+            <a:xfrm rot="5400000">
+              <a:off x="0" y="9655200"/>
+              <a:ext cx="129600" cy="129600"/>
+            </a:xfrm>
+            <a:prstGeom prst="triangle">
+              <a:avLst/>
+            </a:prstGeom>
+            <a:solidFill>
+              <a:schemeClr val="bg1"/>
+            </a:solidFill>
+            <a:ln>
+              <a:noFill/>
+            </a:ln>
+          </p:spPr>
+          <p:style>
+            <a:lnRef idx="2">
+              <a:schemeClr val="accent1">
+                <a:shade val="15000"/>
+              </a:schemeClr>
+            </a:lnRef>
+            <a:fillRef idx="1">
+              <a:schemeClr val="accent1"/>
+            </a:fillRef>
+            <a:effectRef idx="0">
+              <a:schemeClr val="accent1"/>
+            </a:effectRef>
+            <a:fontRef idx="minor">
+              <a:schemeClr val="lt1"/>
+            </a:fontRef>
+          </p:style>
+          <p:txBody>
+            <a:bodyPr rtlCol="0" anchor="ctr"/>
+            <a:lstStyle/>
+            <a:p>
+              <a:pPr algn="ctr"/>
+              <a:endParaRPr kumimoji="1" lang="ja-JP" altLang="en-US"/>
+            </a:p>
+          </p:txBody>
+        </p:sp>
+        <p:sp>
+          <p:nvSpPr>
+            <p:cNvPr id="17" name="三角形 16">
+              <a:extLst>
+                <a:ext uri="{FF2B5EF4-FFF2-40B4-BE49-F238E27FC236}">
+                  <a16:creationId xmlns:a16="http://schemas.microsoft.com/office/drawing/2014/main" id="{0A5EB245-CF51-D9C5-AB0B-8C0AEF89DA31}"/>
+                </a:ext>
+              </a:extLst>
+            </p:cNvPr>
+            <p:cNvSpPr/>
+            <p:nvPr/>
+          </p:nvSpPr>
+          <p:spPr>
+            <a:xfrm rot="5400000">
+              <a:off x="0" y="11275198"/>
+              <a:ext cx="129600" cy="129600"/>
+            </a:xfrm>
+            <a:prstGeom prst="triangle">
+              <a:avLst/>
+            </a:prstGeom>
+            <a:solidFill>
+              <a:schemeClr val="bg1"/>
+            </a:solidFill>
+            <a:ln>
+              <a:noFill/>
+            </a:ln>
+          </p:spPr>
+          <p:style>
+            <a:lnRef idx="2">
+              <a:schemeClr val="accent1">
+                <a:shade val="15000"/>
+              </a:schemeClr>
+            </a:lnRef>
+            <a:fillRef idx="1">
+              <a:schemeClr val="accent1"/>
+            </a:fillRef>
+            <a:effectRef idx="0">
+              <a:schemeClr val="accent1"/>
+            </a:effectRef>
+            <a:fontRef idx="minor">
+              <a:schemeClr val="lt1"/>
+            </a:fontRef>
+          </p:style>
+          <p:txBody>
+            <a:bodyPr rtlCol="0" anchor="ctr"/>
+            <a:lstStyle/>
+            <a:p>
+              <a:pPr algn="ctr"/>
+              <a:endParaRPr kumimoji="1" lang="ja-JP" altLang="en-US"/>
+            </a:p>
+          </p:txBody>
+        </p:sp>
+        <p:sp>
+          <p:nvSpPr>
+            <p:cNvPr id="18" name="三角形 17">
+              <a:extLst>
+                <a:ext uri="{FF2B5EF4-FFF2-40B4-BE49-F238E27FC236}">
+                  <a16:creationId xmlns:a16="http://schemas.microsoft.com/office/drawing/2014/main" id="{EECEF901-F76A-BC2A-CC6A-C08B41523DFF}"/>
+                </a:ext>
+              </a:extLst>
+            </p:cNvPr>
+            <p:cNvSpPr/>
+            <p:nvPr/>
+          </p:nvSpPr>
+          <p:spPr>
+            <a:xfrm rot="16200000">
+              <a:off x="6350400" y="11275200"/>
+              <a:ext cx="129600" cy="129600"/>
+            </a:xfrm>
+            <a:prstGeom prst="triangle">
+              <a:avLst/>
+            </a:prstGeom>
+            <a:solidFill>
+              <a:schemeClr val="bg1"/>
+            </a:solidFill>
+            <a:ln>
+              <a:noFill/>
+            </a:ln>
+          </p:spPr>
+          <p:style>
+            <a:lnRef idx="2">
+              <a:schemeClr val="accent1">
+                <a:shade val="15000"/>
+              </a:schemeClr>
+            </a:lnRef>
+            <a:fillRef idx="1">
+              <a:schemeClr val="accent1"/>
+            </a:fillRef>
+            <a:effectRef idx="0">
+              <a:schemeClr val="accent1"/>
+            </a:effectRef>
+            <a:fontRef idx="minor">
+              <a:schemeClr val="lt1"/>
+            </a:fontRef>
+          </p:style>
+          <p:txBody>
+            <a:bodyPr rtlCol="0" anchor="ctr"/>
+            <a:lstStyle/>
+            <a:p>
+              <a:pPr algn="ctr"/>
+              <a:endParaRPr kumimoji="1" lang="ja-JP" altLang="en-US"/>
+            </a:p>
+          </p:txBody>
+        </p:sp>
+        <p:sp>
+          <p:nvSpPr>
+            <p:cNvPr id="19" name="三角形 18">
+              <a:extLst>
+                <a:ext uri="{FF2B5EF4-FFF2-40B4-BE49-F238E27FC236}">
+                  <a16:creationId xmlns:a16="http://schemas.microsoft.com/office/drawing/2014/main" id="{D97D7521-6E6B-E203-F182-F27316932D62}"/>
+                </a:ext>
+              </a:extLst>
+            </p:cNvPr>
+            <p:cNvSpPr/>
+            <p:nvPr/>
+          </p:nvSpPr>
+          <p:spPr>
+            <a:xfrm rot="16200000">
+              <a:off x="6350758" y="9655199"/>
+              <a:ext cx="129600" cy="129600"/>
+            </a:xfrm>
+            <a:prstGeom prst="triangle">
+              <a:avLst/>
+            </a:prstGeom>
+            <a:solidFill>
+              <a:schemeClr val="bg1"/>
+            </a:solidFill>
+            <a:ln>
+              <a:noFill/>
+            </a:ln>
+          </p:spPr>
+          <p:style>
+            <a:lnRef idx="2">
+              <a:schemeClr val="accent1">
+                <a:shade val="15000"/>
+              </a:schemeClr>
+            </a:lnRef>
+            <a:fillRef idx="1">
+              <a:schemeClr val="accent1"/>
+            </a:fillRef>
+            <a:effectRef idx="0">
+              <a:schemeClr val="accent1"/>
+            </a:effectRef>
+            <a:fontRef idx="minor">
+              <a:schemeClr val="lt1"/>
+            </a:fontRef>
+          </p:style>
+          <p:txBody>
+            <a:bodyPr rtlCol="0" anchor="ctr"/>
+            <a:lstStyle/>
+            <a:p>
+              <a:pPr algn="ctr"/>
+              <a:endParaRPr kumimoji="1" lang="ja-JP" altLang="en-US"/>
+            </a:p>
+          </p:txBody>
+        </p:sp>
+        <p:sp>
+          <p:nvSpPr>
+            <p:cNvPr id="20" name="三角形 19">
+              <a:extLst>
+                <a:ext uri="{FF2B5EF4-FFF2-40B4-BE49-F238E27FC236}">
+                  <a16:creationId xmlns:a16="http://schemas.microsoft.com/office/drawing/2014/main" id="{351AAD06-E322-D51C-D524-5EAAEA56507E}"/>
+                </a:ext>
+              </a:extLst>
+            </p:cNvPr>
+            <p:cNvSpPr/>
+            <p:nvPr/>
+          </p:nvSpPr>
+          <p:spPr>
+            <a:xfrm rot="16200000">
+              <a:off x="6350400" y="8035200"/>
+              <a:ext cx="129600" cy="129600"/>
+            </a:xfrm>
+            <a:prstGeom prst="triangle">
+              <a:avLst/>
+            </a:prstGeom>
+            <a:solidFill>
+              <a:schemeClr val="bg1"/>
+            </a:solidFill>
+            <a:ln>
+              <a:noFill/>
+            </a:ln>
+          </p:spPr>
+          <p:style>
+            <a:lnRef idx="2">
+              <a:schemeClr val="accent1">
+                <a:shade val="15000"/>
+              </a:schemeClr>
+            </a:lnRef>
+            <a:fillRef idx="1">
+              <a:schemeClr val="accent1"/>
+            </a:fillRef>
+            <a:effectRef idx="0">
+              <a:schemeClr val="accent1"/>
+            </a:effectRef>
+            <a:fontRef idx="minor">
+              <a:schemeClr val="lt1"/>
+            </a:fontRef>
+          </p:style>
+          <p:txBody>
+            <a:bodyPr rtlCol="0" anchor="ctr"/>
+            <a:lstStyle/>
+            <a:p>
+              <a:pPr algn="ctr"/>
+              <a:endParaRPr kumimoji="1" lang="ja-JP" altLang="en-US"/>
+            </a:p>
+          </p:txBody>
+        </p:sp>
+        <p:sp>
+          <p:nvSpPr>
+            <p:cNvPr id="21" name="円/楕円 20">
+              <a:extLst>
+                <a:ext uri="{FF2B5EF4-FFF2-40B4-BE49-F238E27FC236}">
+                  <a16:creationId xmlns:a16="http://schemas.microsoft.com/office/drawing/2014/main" id="{6757750B-79C7-5FC5-EF06-B7A167D6A85A}"/>
+                </a:ext>
+              </a:extLst>
+            </p:cNvPr>
+            <p:cNvSpPr/>
+            <p:nvPr/>
+          </p:nvSpPr>
+          <p:spPr>
+            <a:xfrm>
+              <a:off x="3175200" y="9655200"/>
+              <a:ext cx="129600" cy="129600"/>
+            </a:xfrm>
+            <a:prstGeom prst="ellipse">
+              <a:avLst/>
+            </a:prstGeom>
+            <a:solidFill>
+              <a:schemeClr val="tx1">
+                <a:lumMod val="75000"/>
+                <a:lumOff val="25000"/>
+              </a:schemeClr>
+            </a:solidFill>
+            <a:ln>
+              <a:noFill/>
+            </a:ln>
+          </p:spPr>
+          <p:style>
+            <a:lnRef idx="2">
+              <a:schemeClr val="accent1">
+                <a:shade val="15000"/>
+              </a:schemeClr>
+            </a:lnRef>
+            <a:fillRef idx="1">
+              <a:schemeClr val="accent1"/>
+            </a:fillRef>
+            <a:effectRef idx="0">
+              <a:schemeClr val="accent1"/>
+            </a:effectRef>
+            <a:fontRef idx="minor">
+              <a:schemeClr val="lt1"/>
+            </a:fontRef>
+          </p:style>
+          <p:txBody>
+            <a:bodyPr rtlCol="0" anchor="ctr"/>
+            <a:lstStyle/>
+            <a:p>
+              <a:pPr algn="ctr"/>
+              <a:endParaRPr kumimoji="1" lang="ja-JP" altLang="en-US"/>
+            </a:p>
+          </p:txBody>
+        </p:sp>
+        <p:sp>
+          <p:nvSpPr>
+            <p:cNvPr id="22" name="円/楕円 21">
+              <a:extLst>
+                <a:ext uri="{FF2B5EF4-FFF2-40B4-BE49-F238E27FC236}">
+                  <a16:creationId xmlns:a16="http://schemas.microsoft.com/office/drawing/2014/main" id="{319637E1-2DBF-DFC7-AC41-AFDE1EC1AD48}"/>
+                </a:ext>
+              </a:extLst>
+            </p:cNvPr>
+            <p:cNvSpPr/>
+            <p:nvPr/>
+          </p:nvSpPr>
+          <p:spPr>
+            <a:xfrm>
+              <a:off x="3175200" y="6415200"/>
+              <a:ext cx="129600" cy="129600"/>
+            </a:xfrm>
+            <a:prstGeom prst="ellipse">
+              <a:avLst/>
+            </a:prstGeom>
+            <a:solidFill>
+              <a:schemeClr val="bg1"/>
+            </a:solidFill>
+            <a:ln w="63500">
+              <a:noFill/>
+            </a:ln>
+          </p:spPr>
+          <p:style>
+            <a:lnRef idx="2">
+              <a:schemeClr val="accent1">
+                <a:shade val="15000"/>
+              </a:schemeClr>
+            </a:lnRef>
+            <a:fillRef idx="1">
+              <a:schemeClr val="accent1"/>
+            </a:fillRef>
+            <a:effectRef idx="0">
+              <a:schemeClr val="accent1"/>
+            </a:effectRef>
+            <a:fontRef idx="minor">
+              <a:schemeClr val="lt1"/>
+            </a:fontRef>
+          </p:style>
+          <p:txBody>
+            <a:bodyPr rtlCol="0" anchor="ctr"/>
+            <a:lstStyle/>
+            <a:p>
+              <a:pPr algn="ctr"/>
+              <a:endParaRPr kumimoji="1" lang="ja-JP" altLang="en-US"/>
+            </a:p>
+          </p:txBody>
+        </p:sp>
+      </p:grpSp>
+    </p:spTree>
+    <p:extLst>
+      <p:ext uri="{BB962C8B-B14F-4D97-AF65-F5344CB8AC3E}">
+        <p14:creationId xmlns:p14="http://schemas.microsoft.com/office/powerpoint/2010/main" val="2136547"/>
+      </p:ext>
+    </p:extLst>
+  </p:cSld>
+  <p:clrMapOvr>
+    <a:masterClrMapping/>
+  </p:clrMapOvr>
+</p:sld>
+</file>
+
+<file path=ppt/slides/slide4.xml><?xml version="1.0" encoding="utf-8"?>
+<p:sld xmlns:a="http://schemas.openxmlformats.org/drawingml/2006/main" xmlns:r="http://schemas.openxmlformats.org/officeDocument/2006/relationships" xmlns:p="http://schemas.openxmlformats.org/presentationml/2006/main">
+  <p:cSld>
+    <p:spTree>
+      <p:nvGrpSpPr>
+        <p:cNvPr id="1" name=""/>
+        <p:cNvGrpSpPr/>
+        <p:nvPr/>
+      </p:nvGrpSpPr>
+      <p:grpSpPr>
+        <a:xfrm>
+          <a:off x="0" y="0"/>
+          <a:ext cx="0" cy="0"/>
+          <a:chOff x="0" y="0"/>
+          <a:chExt cx="0" cy="0"/>
+        </a:xfrm>
+      </p:grpSpPr>
+      <p:grpSp>
+        <p:nvGrpSpPr>
+          <p:cNvPr id="28" name="グループ化 27">
+            <a:extLst>
+              <a:ext uri="{FF2B5EF4-FFF2-40B4-BE49-F238E27FC236}">
+                <a16:creationId xmlns:a16="http://schemas.microsoft.com/office/drawing/2014/main" id="{7B41A863-2B5A-7EA5-05F0-D489213F58A8}"/>
+              </a:ext>
+            </a:extLst>
+          </p:cNvPr>
+          <p:cNvGrpSpPr/>
+          <p:nvPr/>
+        </p:nvGrpSpPr>
+        <p:grpSpPr>
+          <a:xfrm>
+            <a:off x="0" y="0"/>
+            <a:ext cx="6480358" cy="12960000"/>
+            <a:chOff x="0" y="0"/>
+            <a:chExt cx="6480358" cy="12960000"/>
+          </a:xfrm>
+        </p:grpSpPr>
+        <p:sp>
+          <p:nvSpPr>
+            <p:cNvPr id="2" name="正方形/長方形 1">
+              <a:extLst>
+                <a:ext uri="{FF2B5EF4-FFF2-40B4-BE49-F238E27FC236}">
+                  <a16:creationId xmlns:a16="http://schemas.microsoft.com/office/drawing/2014/main" id="{E6F30D11-B60A-A343-4F94-04F6E2184128}"/>
+                </a:ext>
+              </a:extLst>
+            </p:cNvPr>
+            <p:cNvSpPr/>
+            <p:nvPr/>
+          </p:nvSpPr>
+          <p:spPr>
+            <a:xfrm>
+              <a:off x="0" y="0"/>
+              <a:ext cx="6480000" cy="12960000"/>
+            </a:xfrm>
+            <a:prstGeom prst="rect">
+              <a:avLst/>
+            </a:prstGeom>
+            <a:solidFill>
+              <a:srgbClr val="58BF56"/>
+            </a:solidFill>
+            <a:ln>
+              <a:noFill/>
+            </a:ln>
+          </p:spPr>
+          <p:style>
+            <a:lnRef idx="2">
+              <a:schemeClr val="accent1">
+                <a:shade val="15000"/>
+              </a:schemeClr>
+            </a:lnRef>
+            <a:fillRef idx="1">
+              <a:schemeClr val="accent1"/>
+            </a:fillRef>
+            <a:effectRef idx="0">
+              <a:schemeClr val="accent1"/>
+            </a:effectRef>
+            <a:fontRef idx="minor">
+              <a:schemeClr val="lt1"/>
+            </a:fontRef>
+          </p:style>
+          <p:txBody>
+            <a:bodyPr rtlCol="0" anchor="ctr"/>
+            <a:lstStyle/>
+            <a:p>
+              <a:pPr algn="ctr"/>
+              <a:endParaRPr kumimoji="1" lang="ja-JP" altLang="en-US"/>
+            </a:p>
+          </p:txBody>
+        </p:sp>
+        <p:sp>
+          <p:nvSpPr>
+            <p:cNvPr id="6" name="三角形 5">
+              <a:extLst>
+                <a:ext uri="{FF2B5EF4-FFF2-40B4-BE49-F238E27FC236}">
+                  <a16:creationId xmlns:a16="http://schemas.microsoft.com/office/drawing/2014/main" id="{67923801-ABEF-0ED9-B8D6-DD2D826CBABF}"/>
+                </a:ext>
+              </a:extLst>
+            </p:cNvPr>
+            <p:cNvSpPr/>
+            <p:nvPr/>
+          </p:nvSpPr>
+          <p:spPr>
+            <a:xfrm>
+              <a:off x="3171248" y="12827408"/>
+              <a:ext cx="129600" cy="129600"/>
+            </a:xfrm>
+            <a:prstGeom prst="triangle">
+              <a:avLst/>
+            </a:prstGeom>
+            <a:solidFill>
+              <a:schemeClr val="bg1"/>
+            </a:solidFill>
+            <a:ln>
+              <a:noFill/>
+            </a:ln>
+          </p:spPr>
+          <p:style>
+            <a:lnRef idx="2">
+              <a:schemeClr val="accent1">
+                <a:shade val="15000"/>
+              </a:schemeClr>
+            </a:lnRef>
+            <a:fillRef idx="1">
+              <a:schemeClr val="accent1"/>
+            </a:fillRef>
+            <a:effectRef idx="0">
+              <a:schemeClr val="accent1"/>
+            </a:effectRef>
+            <a:fontRef idx="minor">
+              <a:schemeClr val="lt1"/>
+            </a:fontRef>
+          </p:style>
+          <p:txBody>
+            <a:bodyPr rtlCol="0" anchor="ctr"/>
+            <a:lstStyle/>
+            <a:p>
+              <a:pPr algn="ctr"/>
+              <a:endParaRPr kumimoji="1" lang="ja-JP" altLang="en-US"/>
+            </a:p>
+          </p:txBody>
+        </p:sp>
+        <p:sp>
+          <p:nvSpPr>
+            <p:cNvPr id="7" name="三角形 6">
+              <a:extLst>
+                <a:ext uri="{FF2B5EF4-FFF2-40B4-BE49-F238E27FC236}">
+                  <a16:creationId xmlns:a16="http://schemas.microsoft.com/office/drawing/2014/main" id="{991352C5-A81F-7D51-F27F-56C4AFCB6EB7}"/>
+                </a:ext>
+              </a:extLst>
+            </p:cNvPr>
+            <p:cNvSpPr/>
+            <p:nvPr/>
+          </p:nvSpPr>
+          <p:spPr>
+            <a:xfrm>
+              <a:off x="4794418" y="12830400"/>
+              <a:ext cx="129600" cy="129600"/>
+            </a:xfrm>
+            <a:prstGeom prst="triangle">
+              <a:avLst/>
+            </a:prstGeom>
+            <a:solidFill>
+              <a:schemeClr val="bg1"/>
+            </a:solidFill>
+            <a:ln>
+              <a:noFill/>
+            </a:ln>
+          </p:spPr>
+          <p:style>
+            <a:lnRef idx="2">
+              <a:schemeClr val="accent1">
+                <a:shade val="15000"/>
+              </a:schemeClr>
+            </a:lnRef>
+            <a:fillRef idx="1">
+              <a:schemeClr val="accent1"/>
+            </a:fillRef>
+            <a:effectRef idx="0">
+              <a:schemeClr val="accent1"/>
+            </a:effectRef>
+            <a:fontRef idx="minor">
+              <a:schemeClr val="lt1"/>
+            </a:fontRef>
+          </p:style>
+          <p:txBody>
+            <a:bodyPr rtlCol="0" anchor="ctr"/>
+            <a:lstStyle/>
+            <a:p>
+              <a:pPr algn="ctr"/>
+              <a:endParaRPr kumimoji="1" lang="ja-JP" altLang="en-US"/>
+            </a:p>
+          </p:txBody>
+        </p:sp>
+        <p:sp>
+          <p:nvSpPr>
+            <p:cNvPr id="8" name="三角形 7">
+              <a:extLst>
+                <a:ext uri="{FF2B5EF4-FFF2-40B4-BE49-F238E27FC236}">
+                  <a16:creationId xmlns:a16="http://schemas.microsoft.com/office/drawing/2014/main" id="{7C0FE5B4-77AD-2FF2-D70D-E315F5E70E91}"/>
+                </a:ext>
+              </a:extLst>
+            </p:cNvPr>
+            <p:cNvSpPr/>
+            <p:nvPr/>
+          </p:nvSpPr>
+          <p:spPr>
+            <a:xfrm>
+              <a:off x="1549084" y="12830400"/>
+              <a:ext cx="129600" cy="129600"/>
+            </a:xfrm>
+            <a:prstGeom prst="triangle">
+              <a:avLst/>
+            </a:prstGeom>
+            <a:solidFill>
+              <a:schemeClr val="bg1"/>
+            </a:solidFill>
+            <a:ln>
+              <a:noFill/>
+            </a:ln>
+          </p:spPr>
+          <p:style>
+            <a:lnRef idx="2">
+              <a:schemeClr val="accent1">
+                <a:shade val="15000"/>
+              </a:schemeClr>
+            </a:lnRef>
+            <a:fillRef idx="1">
+              <a:schemeClr val="accent1"/>
+            </a:fillRef>
+            <a:effectRef idx="0">
+              <a:schemeClr val="accent1"/>
+            </a:effectRef>
+            <a:fontRef idx="minor">
+              <a:schemeClr val="lt1"/>
+            </a:fontRef>
+          </p:style>
+          <p:txBody>
+            <a:bodyPr rtlCol="0" anchor="ctr"/>
+            <a:lstStyle/>
+            <a:p>
+              <a:pPr algn="ctr"/>
+              <a:endParaRPr kumimoji="1" lang="ja-JP" altLang="en-US"/>
+            </a:p>
+          </p:txBody>
+        </p:sp>
+        <p:sp>
+          <p:nvSpPr>
+            <p:cNvPr id="9" name="三角形 8">
+              <a:extLst>
+                <a:ext uri="{FF2B5EF4-FFF2-40B4-BE49-F238E27FC236}">
+                  <a16:creationId xmlns:a16="http://schemas.microsoft.com/office/drawing/2014/main" id="{7081BB51-642D-1AA7-70D4-A39C16651BD3}"/>
+                </a:ext>
+              </a:extLst>
+            </p:cNvPr>
+            <p:cNvSpPr/>
+            <p:nvPr/>
+          </p:nvSpPr>
+          <p:spPr>
+            <a:xfrm rot="5400000">
+              <a:off x="0" y="1555200"/>
+              <a:ext cx="129600" cy="129600"/>
+            </a:xfrm>
+            <a:prstGeom prst="triangle">
+              <a:avLst/>
+            </a:prstGeom>
+            <a:solidFill>
+              <a:schemeClr val="bg1"/>
+            </a:solidFill>
+            <a:ln>
+              <a:noFill/>
+            </a:ln>
+          </p:spPr>
+          <p:style>
+            <a:lnRef idx="2">
+              <a:schemeClr val="accent1">
+                <a:shade val="15000"/>
+              </a:schemeClr>
+            </a:lnRef>
+            <a:fillRef idx="1">
+              <a:schemeClr val="accent1"/>
+            </a:fillRef>
+            <a:effectRef idx="0">
+              <a:schemeClr val="accent1"/>
+            </a:effectRef>
+            <a:fontRef idx="minor">
+              <a:schemeClr val="lt1"/>
+            </a:fontRef>
+          </p:style>
+          <p:txBody>
+            <a:bodyPr rtlCol="0" anchor="ctr"/>
+            <a:lstStyle/>
+            <a:p>
+              <a:pPr algn="ctr"/>
+              <a:endParaRPr kumimoji="1" lang="ja-JP" altLang="en-US"/>
+            </a:p>
+          </p:txBody>
+        </p:sp>
+        <p:sp>
+          <p:nvSpPr>
+            <p:cNvPr id="10" name="三角形 9">
+              <a:extLst>
+                <a:ext uri="{FF2B5EF4-FFF2-40B4-BE49-F238E27FC236}">
+                  <a16:creationId xmlns:a16="http://schemas.microsoft.com/office/drawing/2014/main" id="{9B589E1D-6AB1-41A1-9BB5-10C8222323C5}"/>
+                </a:ext>
+              </a:extLst>
+            </p:cNvPr>
+            <p:cNvSpPr/>
+            <p:nvPr/>
+          </p:nvSpPr>
+          <p:spPr>
+            <a:xfrm rot="5400000">
+              <a:off x="0" y="3175200"/>
+              <a:ext cx="129600" cy="129600"/>
+            </a:xfrm>
+            <a:prstGeom prst="triangle">
+              <a:avLst/>
+            </a:prstGeom>
+            <a:solidFill>
+              <a:schemeClr val="bg1"/>
+            </a:solidFill>
+            <a:ln>
+              <a:noFill/>
+            </a:ln>
+          </p:spPr>
+          <p:style>
+            <a:lnRef idx="2">
+              <a:schemeClr val="accent1">
+                <a:shade val="15000"/>
+              </a:schemeClr>
+            </a:lnRef>
+            <a:fillRef idx="1">
+              <a:schemeClr val="accent1"/>
+            </a:fillRef>
+            <a:effectRef idx="0">
+              <a:schemeClr val="accent1"/>
+            </a:effectRef>
+            <a:fontRef idx="minor">
+              <a:schemeClr val="lt1"/>
+            </a:fontRef>
+          </p:style>
+          <p:txBody>
+            <a:bodyPr rtlCol="0" anchor="ctr"/>
+            <a:lstStyle/>
+            <a:p>
+              <a:pPr algn="ctr"/>
+              <a:endParaRPr kumimoji="1" lang="ja-JP" altLang="en-US"/>
+            </a:p>
+          </p:txBody>
+        </p:sp>
+        <p:sp>
+          <p:nvSpPr>
+            <p:cNvPr id="11" name="三角形 10">
+              <a:extLst>
+                <a:ext uri="{FF2B5EF4-FFF2-40B4-BE49-F238E27FC236}">
+                  <a16:creationId xmlns:a16="http://schemas.microsoft.com/office/drawing/2014/main" id="{7CCA2FB2-1D4A-16F6-D338-4C672EBC88B7}"/>
+                </a:ext>
+              </a:extLst>
+            </p:cNvPr>
+            <p:cNvSpPr/>
+            <p:nvPr/>
+          </p:nvSpPr>
+          <p:spPr>
+            <a:xfrm rot="5400000">
+              <a:off x="0" y="4795200"/>
+              <a:ext cx="129600" cy="129600"/>
+            </a:xfrm>
+            <a:prstGeom prst="triangle">
+              <a:avLst/>
+            </a:prstGeom>
+            <a:solidFill>
+              <a:schemeClr val="bg1"/>
+            </a:solidFill>
+            <a:ln>
+              <a:noFill/>
+            </a:ln>
+          </p:spPr>
+          <p:style>
+            <a:lnRef idx="2">
+              <a:schemeClr val="accent1">
+                <a:shade val="15000"/>
+              </a:schemeClr>
+            </a:lnRef>
+            <a:fillRef idx="1">
+              <a:schemeClr val="accent1"/>
+            </a:fillRef>
+            <a:effectRef idx="0">
+              <a:schemeClr val="accent1"/>
+            </a:effectRef>
+            <a:fontRef idx="minor">
+              <a:schemeClr val="lt1"/>
+            </a:fontRef>
+          </p:style>
+          <p:txBody>
+            <a:bodyPr rtlCol="0" anchor="ctr"/>
+            <a:lstStyle/>
+            <a:p>
+              <a:pPr algn="ctr"/>
+              <a:endParaRPr kumimoji="1" lang="ja-JP" altLang="en-US"/>
+            </a:p>
+          </p:txBody>
+        </p:sp>
+        <p:sp>
+          <p:nvSpPr>
+            <p:cNvPr id="12" name="三角形 11">
+              <a:extLst>
+                <a:ext uri="{FF2B5EF4-FFF2-40B4-BE49-F238E27FC236}">
+                  <a16:creationId xmlns:a16="http://schemas.microsoft.com/office/drawing/2014/main" id="{CE4804BF-936F-4198-1321-BDE456CBF7AC}"/>
+                </a:ext>
+              </a:extLst>
+            </p:cNvPr>
+            <p:cNvSpPr/>
+            <p:nvPr/>
+          </p:nvSpPr>
+          <p:spPr>
+            <a:xfrm rot="16200000">
+              <a:off x="6350400" y="4795200"/>
+              <a:ext cx="129600" cy="129600"/>
+            </a:xfrm>
+            <a:prstGeom prst="triangle">
+              <a:avLst/>
+            </a:prstGeom>
+            <a:solidFill>
+              <a:schemeClr val="bg1"/>
+            </a:solidFill>
+            <a:ln>
+              <a:noFill/>
+            </a:ln>
+          </p:spPr>
+          <p:style>
+            <a:lnRef idx="2">
+              <a:schemeClr val="accent1">
+                <a:shade val="15000"/>
+              </a:schemeClr>
+            </a:lnRef>
+            <a:fillRef idx="1">
+              <a:schemeClr val="accent1"/>
+            </a:fillRef>
+            <a:effectRef idx="0">
+              <a:schemeClr val="accent1"/>
+            </a:effectRef>
+            <a:fontRef idx="minor">
+              <a:schemeClr val="lt1"/>
+            </a:fontRef>
+          </p:style>
+          <p:txBody>
+            <a:bodyPr rtlCol="0" anchor="ctr"/>
+            <a:lstStyle/>
+            <a:p>
+              <a:pPr algn="ctr"/>
+              <a:endParaRPr kumimoji="1" lang="ja-JP" altLang="en-US"/>
+            </a:p>
+          </p:txBody>
+        </p:sp>
+        <p:sp>
+          <p:nvSpPr>
+            <p:cNvPr id="13" name="三角形 12">
+              <a:extLst>
+                <a:ext uri="{FF2B5EF4-FFF2-40B4-BE49-F238E27FC236}">
+                  <a16:creationId xmlns:a16="http://schemas.microsoft.com/office/drawing/2014/main" id="{9DF45800-E658-D6F1-4F9C-212F4C8F6D66}"/>
+                </a:ext>
+              </a:extLst>
+            </p:cNvPr>
+            <p:cNvSpPr/>
+            <p:nvPr/>
+          </p:nvSpPr>
+          <p:spPr>
+            <a:xfrm rot="16200000">
+              <a:off x="6350400" y="3175200"/>
+              <a:ext cx="129600" cy="129600"/>
+            </a:xfrm>
+            <a:prstGeom prst="triangle">
+              <a:avLst/>
+            </a:prstGeom>
+            <a:solidFill>
+              <a:schemeClr val="bg1"/>
+            </a:solidFill>
+            <a:ln>
+              <a:noFill/>
+            </a:ln>
+          </p:spPr>
+          <p:style>
+            <a:lnRef idx="2">
+              <a:schemeClr val="accent1">
+                <a:shade val="15000"/>
+              </a:schemeClr>
+            </a:lnRef>
+            <a:fillRef idx="1">
+              <a:schemeClr val="accent1"/>
+            </a:fillRef>
+            <a:effectRef idx="0">
+              <a:schemeClr val="accent1"/>
+            </a:effectRef>
+            <a:fontRef idx="minor">
+              <a:schemeClr val="lt1"/>
+            </a:fontRef>
+          </p:style>
+          <p:txBody>
+            <a:bodyPr rtlCol="0" anchor="ctr"/>
+            <a:lstStyle/>
+            <a:p>
+              <a:pPr algn="ctr"/>
+              <a:endParaRPr kumimoji="1" lang="ja-JP" altLang="en-US"/>
+            </a:p>
+          </p:txBody>
+        </p:sp>
+        <p:sp>
+          <p:nvSpPr>
+            <p:cNvPr id="14" name="三角形 13">
+              <a:extLst>
+                <a:ext uri="{FF2B5EF4-FFF2-40B4-BE49-F238E27FC236}">
+                  <a16:creationId xmlns:a16="http://schemas.microsoft.com/office/drawing/2014/main" id="{5E60DEA9-9B3B-1AB1-52CC-2569B5A3BCA8}"/>
+                </a:ext>
+              </a:extLst>
+            </p:cNvPr>
+            <p:cNvSpPr/>
+            <p:nvPr/>
+          </p:nvSpPr>
+          <p:spPr>
+            <a:xfrm rot="16200000">
+              <a:off x="6350400" y="1561760"/>
+              <a:ext cx="129600" cy="129600"/>
+            </a:xfrm>
+            <a:prstGeom prst="triangle">
+              <a:avLst/>
+            </a:prstGeom>
+            <a:solidFill>
+              <a:schemeClr val="bg1"/>
+            </a:solidFill>
+            <a:ln>
+              <a:noFill/>
+            </a:ln>
+          </p:spPr>
+          <p:style>
+            <a:lnRef idx="2">
+              <a:schemeClr val="accent1">
+                <a:shade val="15000"/>
+              </a:schemeClr>
+            </a:lnRef>
+            <a:fillRef idx="1">
+              <a:schemeClr val="accent1"/>
+            </a:fillRef>
+            <a:effectRef idx="0">
+              <a:schemeClr val="accent1"/>
+            </a:effectRef>
+            <a:fontRef idx="minor">
+              <a:schemeClr val="lt1"/>
+            </a:fontRef>
+          </p:style>
+          <p:txBody>
+            <a:bodyPr rtlCol="0" anchor="ctr"/>
+            <a:lstStyle/>
+            <a:p>
+              <a:pPr algn="ctr"/>
+              <a:endParaRPr kumimoji="1" lang="ja-JP" altLang="en-US"/>
+            </a:p>
+          </p:txBody>
+        </p:sp>
+        <p:sp>
+          <p:nvSpPr>
+            <p:cNvPr id="15" name="三角形 14">
+              <a:extLst>
+                <a:ext uri="{FF2B5EF4-FFF2-40B4-BE49-F238E27FC236}">
+                  <a16:creationId xmlns:a16="http://schemas.microsoft.com/office/drawing/2014/main" id="{6BE91493-398F-4282-4390-2547350A6E9B}"/>
+                </a:ext>
+              </a:extLst>
+            </p:cNvPr>
+            <p:cNvSpPr/>
+            <p:nvPr/>
+          </p:nvSpPr>
+          <p:spPr>
+            <a:xfrm rot="5400000">
+              <a:off x="0" y="8035200"/>
+              <a:ext cx="129600" cy="129600"/>
+            </a:xfrm>
+            <a:prstGeom prst="triangle">
+              <a:avLst/>
+            </a:prstGeom>
+            <a:solidFill>
+              <a:schemeClr val="bg1"/>
+            </a:solidFill>
+            <a:ln>
+              <a:noFill/>
+            </a:ln>
+          </p:spPr>
+          <p:style>
+            <a:lnRef idx="2">
+              <a:schemeClr val="accent1">
+                <a:shade val="15000"/>
+              </a:schemeClr>
+            </a:lnRef>
+            <a:fillRef idx="1">
+              <a:schemeClr val="accent1"/>
+            </a:fillRef>
+            <a:effectRef idx="0">
+              <a:schemeClr val="accent1"/>
+            </a:effectRef>
+            <a:fontRef idx="minor">
+              <a:schemeClr val="lt1"/>
+            </a:fontRef>
+          </p:style>
+          <p:txBody>
+            <a:bodyPr rtlCol="0" anchor="ctr"/>
+            <a:lstStyle/>
+            <a:p>
+              <a:pPr algn="ctr"/>
+              <a:endParaRPr kumimoji="1" lang="ja-JP" altLang="en-US"/>
+            </a:p>
+          </p:txBody>
+        </p:sp>
+        <p:sp>
+          <p:nvSpPr>
+            <p:cNvPr id="16" name="三角形 15">
+              <a:extLst>
+                <a:ext uri="{FF2B5EF4-FFF2-40B4-BE49-F238E27FC236}">
+                  <a16:creationId xmlns:a16="http://schemas.microsoft.com/office/drawing/2014/main" id="{28E265CE-173F-E353-DF7E-C2598E03AF86}"/>
+                </a:ext>
+              </a:extLst>
+            </p:cNvPr>
+            <p:cNvSpPr/>
+            <p:nvPr/>
+          </p:nvSpPr>
+          <p:spPr>
+            <a:xfrm rot="5400000">
+              <a:off x="0" y="9655200"/>
+              <a:ext cx="129600" cy="129600"/>
+            </a:xfrm>
+            <a:prstGeom prst="triangle">
+              <a:avLst/>
+            </a:prstGeom>
+            <a:solidFill>
+              <a:schemeClr val="bg1"/>
+            </a:solidFill>
+            <a:ln>
+              <a:noFill/>
+            </a:ln>
+          </p:spPr>
+          <p:style>
+            <a:lnRef idx="2">
+              <a:schemeClr val="accent1">
+                <a:shade val="15000"/>
+              </a:schemeClr>
+            </a:lnRef>
+            <a:fillRef idx="1">
+              <a:schemeClr val="accent1"/>
+            </a:fillRef>
+            <a:effectRef idx="0">
+              <a:schemeClr val="accent1"/>
+            </a:effectRef>
+            <a:fontRef idx="minor">
+              <a:schemeClr val="lt1"/>
+            </a:fontRef>
+          </p:style>
+          <p:txBody>
+            <a:bodyPr rtlCol="0" anchor="ctr"/>
+            <a:lstStyle/>
+            <a:p>
+              <a:pPr algn="ctr"/>
+              <a:endParaRPr kumimoji="1" lang="ja-JP" altLang="en-US"/>
+            </a:p>
+          </p:txBody>
+        </p:sp>
+        <p:sp>
+          <p:nvSpPr>
+            <p:cNvPr id="17" name="三角形 16">
+              <a:extLst>
+                <a:ext uri="{FF2B5EF4-FFF2-40B4-BE49-F238E27FC236}">
+                  <a16:creationId xmlns:a16="http://schemas.microsoft.com/office/drawing/2014/main" id="{0A5EB245-CF51-D9C5-AB0B-8C0AEF89DA31}"/>
+                </a:ext>
+              </a:extLst>
+            </p:cNvPr>
+            <p:cNvSpPr/>
+            <p:nvPr/>
+          </p:nvSpPr>
+          <p:spPr>
+            <a:xfrm rot="5400000">
+              <a:off x="0" y="11275198"/>
+              <a:ext cx="129600" cy="129600"/>
+            </a:xfrm>
+            <a:prstGeom prst="triangle">
+              <a:avLst/>
+            </a:prstGeom>
+            <a:solidFill>
+              <a:schemeClr val="bg1"/>
+            </a:solidFill>
+            <a:ln>
+              <a:noFill/>
+            </a:ln>
+          </p:spPr>
+          <p:style>
+            <a:lnRef idx="2">
+              <a:schemeClr val="accent1">
+                <a:shade val="15000"/>
+              </a:schemeClr>
+            </a:lnRef>
+            <a:fillRef idx="1">
+              <a:schemeClr val="accent1"/>
+            </a:fillRef>
+            <a:effectRef idx="0">
+              <a:schemeClr val="accent1"/>
+            </a:effectRef>
+            <a:fontRef idx="minor">
+              <a:schemeClr val="lt1"/>
+            </a:fontRef>
+          </p:style>
+          <p:txBody>
+            <a:bodyPr rtlCol="0" anchor="ctr"/>
+            <a:lstStyle/>
+            <a:p>
+              <a:pPr algn="ctr"/>
+              <a:endParaRPr kumimoji="1" lang="ja-JP" altLang="en-US"/>
+            </a:p>
+          </p:txBody>
+        </p:sp>
+        <p:sp>
+          <p:nvSpPr>
+            <p:cNvPr id="18" name="三角形 17">
+              <a:extLst>
+                <a:ext uri="{FF2B5EF4-FFF2-40B4-BE49-F238E27FC236}">
+                  <a16:creationId xmlns:a16="http://schemas.microsoft.com/office/drawing/2014/main" id="{EECEF901-F76A-BC2A-CC6A-C08B41523DFF}"/>
+                </a:ext>
+              </a:extLst>
+            </p:cNvPr>
+            <p:cNvSpPr/>
+            <p:nvPr/>
+          </p:nvSpPr>
+          <p:spPr>
+            <a:xfrm rot="16200000">
+              <a:off x="6350400" y="11275200"/>
+              <a:ext cx="129600" cy="129600"/>
+            </a:xfrm>
+            <a:prstGeom prst="triangle">
+              <a:avLst/>
+            </a:prstGeom>
+            <a:solidFill>
+              <a:schemeClr val="bg1"/>
+            </a:solidFill>
+            <a:ln>
+              <a:noFill/>
+            </a:ln>
+          </p:spPr>
+          <p:style>
+            <a:lnRef idx="2">
+              <a:schemeClr val="accent1">
+                <a:shade val="15000"/>
+              </a:schemeClr>
+            </a:lnRef>
+            <a:fillRef idx="1">
+              <a:schemeClr val="accent1"/>
+            </a:fillRef>
+            <a:effectRef idx="0">
+              <a:schemeClr val="accent1"/>
+            </a:effectRef>
+            <a:fontRef idx="minor">
+              <a:schemeClr val="lt1"/>
+            </a:fontRef>
+          </p:style>
+          <p:txBody>
+            <a:bodyPr rtlCol="0" anchor="ctr"/>
+            <a:lstStyle/>
+            <a:p>
+              <a:pPr algn="ctr"/>
+              <a:endParaRPr kumimoji="1" lang="ja-JP" altLang="en-US"/>
+            </a:p>
+          </p:txBody>
+        </p:sp>
+        <p:sp>
+          <p:nvSpPr>
+            <p:cNvPr id="19" name="三角形 18">
+              <a:extLst>
+                <a:ext uri="{FF2B5EF4-FFF2-40B4-BE49-F238E27FC236}">
+                  <a16:creationId xmlns:a16="http://schemas.microsoft.com/office/drawing/2014/main" id="{D97D7521-6E6B-E203-F182-F27316932D62}"/>
+                </a:ext>
+              </a:extLst>
+            </p:cNvPr>
+            <p:cNvSpPr/>
+            <p:nvPr/>
+          </p:nvSpPr>
+          <p:spPr>
+            <a:xfrm rot="16200000">
+              <a:off x="6350758" y="9655199"/>
+              <a:ext cx="129600" cy="129600"/>
+            </a:xfrm>
+            <a:prstGeom prst="triangle">
+              <a:avLst/>
+            </a:prstGeom>
+            <a:solidFill>
+              <a:schemeClr val="bg1"/>
+            </a:solidFill>
+            <a:ln>
+              <a:noFill/>
+            </a:ln>
+          </p:spPr>
+          <p:style>
+            <a:lnRef idx="2">
+              <a:schemeClr val="accent1">
+                <a:shade val="15000"/>
+              </a:schemeClr>
+            </a:lnRef>
+            <a:fillRef idx="1">
+              <a:schemeClr val="accent1"/>
+            </a:fillRef>
+            <a:effectRef idx="0">
+              <a:schemeClr val="accent1"/>
+            </a:effectRef>
+            <a:fontRef idx="minor">
+              <a:schemeClr val="lt1"/>
+            </a:fontRef>
+          </p:style>
+          <p:txBody>
+            <a:bodyPr rtlCol="0" anchor="ctr"/>
+            <a:lstStyle/>
+            <a:p>
+              <a:pPr algn="ctr"/>
+              <a:endParaRPr kumimoji="1" lang="ja-JP" altLang="en-US"/>
+            </a:p>
+          </p:txBody>
+        </p:sp>
+        <p:sp>
+          <p:nvSpPr>
+            <p:cNvPr id="20" name="三角形 19">
+              <a:extLst>
+                <a:ext uri="{FF2B5EF4-FFF2-40B4-BE49-F238E27FC236}">
+                  <a16:creationId xmlns:a16="http://schemas.microsoft.com/office/drawing/2014/main" id="{351AAD06-E322-D51C-D524-5EAAEA56507E}"/>
+                </a:ext>
+              </a:extLst>
+            </p:cNvPr>
+            <p:cNvSpPr/>
+            <p:nvPr/>
+          </p:nvSpPr>
+          <p:spPr>
+            <a:xfrm rot="16200000">
+              <a:off x="6350400" y="8035200"/>
+              <a:ext cx="129600" cy="129600"/>
+            </a:xfrm>
+            <a:prstGeom prst="triangle">
+              <a:avLst/>
+            </a:prstGeom>
+            <a:solidFill>
+              <a:schemeClr val="bg1"/>
+            </a:solidFill>
+            <a:ln>
+              <a:noFill/>
+            </a:ln>
+          </p:spPr>
+          <p:style>
+            <a:lnRef idx="2">
+              <a:schemeClr val="accent1">
+                <a:shade val="15000"/>
+              </a:schemeClr>
+            </a:lnRef>
+            <a:fillRef idx="1">
+              <a:schemeClr val="accent1"/>
+            </a:fillRef>
+            <a:effectRef idx="0">
+              <a:schemeClr val="accent1"/>
+            </a:effectRef>
+            <a:fontRef idx="minor">
+              <a:schemeClr val="lt1"/>
+            </a:fontRef>
+          </p:style>
+          <p:txBody>
+            <a:bodyPr rtlCol="0" anchor="ctr"/>
+            <a:lstStyle/>
+            <a:p>
+              <a:pPr algn="ctr"/>
+              <a:endParaRPr kumimoji="1" lang="ja-JP" altLang="en-US"/>
+            </a:p>
+          </p:txBody>
+        </p:sp>
+        <p:sp>
+          <p:nvSpPr>
+            <p:cNvPr id="21" name="円/楕円 20">
+              <a:extLst>
+                <a:ext uri="{FF2B5EF4-FFF2-40B4-BE49-F238E27FC236}">
+                  <a16:creationId xmlns:a16="http://schemas.microsoft.com/office/drawing/2014/main" id="{6757750B-79C7-5FC5-EF06-B7A167D6A85A}"/>
+                </a:ext>
+              </a:extLst>
+            </p:cNvPr>
+            <p:cNvSpPr/>
+            <p:nvPr/>
+          </p:nvSpPr>
+          <p:spPr>
+            <a:xfrm>
+              <a:off x="3175200" y="9655200"/>
+              <a:ext cx="129600" cy="129600"/>
+            </a:xfrm>
+            <a:prstGeom prst="ellipse">
+              <a:avLst/>
+            </a:prstGeom>
+            <a:solidFill>
+              <a:schemeClr val="tx1">
+                <a:lumMod val="75000"/>
+                <a:lumOff val="25000"/>
+              </a:schemeClr>
+            </a:solidFill>
+            <a:ln>
+              <a:noFill/>
+            </a:ln>
+          </p:spPr>
+          <p:style>
+            <a:lnRef idx="2">
+              <a:schemeClr val="accent1">
+                <a:shade val="15000"/>
+              </a:schemeClr>
+            </a:lnRef>
+            <a:fillRef idx="1">
+              <a:schemeClr val="accent1"/>
+            </a:fillRef>
+            <a:effectRef idx="0">
+              <a:schemeClr val="accent1"/>
+            </a:effectRef>
+            <a:fontRef idx="minor">
+              <a:schemeClr val="lt1"/>
+            </a:fontRef>
+          </p:style>
+          <p:txBody>
+            <a:bodyPr rtlCol="0" anchor="ctr"/>
+            <a:lstStyle/>
+            <a:p>
+              <a:pPr algn="ctr"/>
+              <a:endParaRPr kumimoji="1" lang="ja-JP" altLang="en-US"/>
+            </a:p>
+          </p:txBody>
+        </p:sp>
+        <p:sp>
+          <p:nvSpPr>
+            <p:cNvPr id="22" name="円/楕円 21">
+              <a:extLst>
+                <a:ext uri="{FF2B5EF4-FFF2-40B4-BE49-F238E27FC236}">
+                  <a16:creationId xmlns:a16="http://schemas.microsoft.com/office/drawing/2014/main" id="{319637E1-2DBF-DFC7-AC41-AFDE1EC1AD48}"/>
+                </a:ext>
+              </a:extLst>
+            </p:cNvPr>
+            <p:cNvSpPr/>
+            <p:nvPr/>
+          </p:nvSpPr>
+          <p:spPr>
+            <a:xfrm>
+              <a:off x="3175200" y="6415200"/>
+              <a:ext cx="129600" cy="129600"/>
+            </a:xfrm>
+            <a:prstGeom prst="ellipse">
+              <a:avLst/>
+            </a:prstGeom>
+            <a:solidFill>
+              <a:schemeClr val="bg1"/>
+            </a:solidFill>
+            <a:ln w="63500">
+              <a:noFill/>
+            </a:ln>
+          </p:spPr>
+          <p:style>
+            <a:lnRef idx="2">
+              <a:schemeClr val="accent1">
+                <a:shade val="15000"/>
+              </a:schemeClr>
+            </a:lnRef>
+            <a:fillRef idx="1">
+              <a:schemeClr val="accent1"/>
+            </a:fillRef>
+            <a:effectRef idx="0">
+              <a:schemeClr val="accent1"/>
+            </a:effectRef>
+            <a:fontRef idx="minor">
+              <a:schemeClr val="lt1"/>
+            </a:fontRef>
+          </p:style>
+          <p:txBody>
+            <a:bodyPr rtlCol="0" anchor="ctr"/>
+            <a:lstStyle/>
+            <a:p>
+              <a:pPr algn="ctr"/>
+              <a:endParaRPr kumimoji="1" lang="ja-JP" altLang="en-US"/>
+            </a:p>
+          </p:txBody>
+        </p:sp>
+        <p:sp>
+          <p:nvSpPr>
+            <p:cNvPr id="23" name="台形 22">
+              <a:extLst>
+                <a:ext uri="{FF2B5EF4-FFF2-40B4-BE49-F238E27FC236}">
+                  <a16:creationId xmlns:a16="http://schemas.microsoft.com/office/drawing/2014/main" id="{DE9077E5-C24D-754F-6B06-E6143124A03F}"/>
+                </a:ext>
+              </a:extLst>
+            </p:cNvPr>
+            <p:cNvSpPr/>
+            <p:nvPr/>
+          </p:nvSpPr>
+          <p:spPr>
+            <a:xfrm rot="10800000">
+              <a:off x="292142" y="0"/>
+              <a:ext cx="5760000" cy="180000"/>
+            </a:xfrm>
+            <a:prstGeom prst="trapezoid">
+              <a:avLst>
+                <a:gd name="adj" fmla="val 56750"/>
+              </a:avLst>
+            </a:prstGeom>
+            <a:solidFill>
+              <a:srgbClr val="97CB90"/>
+            </a:solidFill>
+            <a:ln>
+              <a:noFill/>
+            </a:ln>
+          </p:spPr>
+          <p:style>
+            <a:lnRef idx="2">
+              <a:schemeClr val="accent1">
+                <a:shade val="15000"/>
+              </a:schemeClr>
+            </a:lnRef>
+            <a:fillRef idx="1">
+              <a:schemeClr val="accent1"/>
+            </a:fillRef>
+            <a:effectRef idx="0">
+              <a:schemeClr val="accent1"/>
+            </a:effectRef>
+            <a:fontRef idx="minor">
+              <a:schemeClr val="lt1"/>
+            </a:fontRef>
+          </p:style>
+          <p:txBody>
+            <a:bodyPr rtlCol="0" anchor="ctr"/>
+            <a:lstStyle/>
+            <a:p>
+              <a:pPr algn="ctr"/>
+              <a:endParaRPr kumimoji="1" lang="ja-JP" altLang="en-US"/>
+            </a:p>
+          </p:txBody>
+        </p:sp>
+        <p:grpSp>
+          <p:nvGrpSpPr>
+            <p:cNvPr id="27" name="グループ化 26">
+              <a:extLst>
+                <a:ext uri="{FF2B5EF4-FFF2-40B4-BE49-F238E27FC236}">
+                  <a16:creationId xmlns:a16="http://schemas.microsoft.com/office/drawing/2014/main" id="{AA2F069B-ECD0-DBC6-4213-B4D827687416}"/>
+                </a:ext>
+              </a:extLst>
+            </p:cNvPr>
+            <p:cNvGrpSpPr/>
+            <p:nvPr/>
+          </p:nvGrpSpPr>
+          <p:grpSpPr>
+            <a:xfrm>
+              <a:off x="1483839" y="0"/>
+              <a:ext cx="3368818" cy="129602"/>
+              <a:chOff x="1707600" y="152399"/>
+              <a:chExt cx="3368818" cy="129602"/>
+            </a:xfrm>
+          </p:grpSpPr>
+          <p:sp>
+            <p:nvSpPr>
+              <p:cNvPr id="24" name="三角形 23">
+                <a:extLst>
+                  <a:ext uri="{FF2B5EF4-FFF2-40B4-BE49-F238E27FC236}">
+                    <a16:creationId xmlns:a16="http://schemas.microsoft.com/office/drawing/2014/main" id="{B0D02311-56BC-89BE-CE8A-2811BAEFC4B8}"/>
+                  </a:ext>
+                </a:extLst>
+              </p:cNvPr>
+              <p:cNvSpPr/>
+              <p:nvPr/>
+            </p:nvSpPr>
+            <p:spPr>
+              <a:xfrm rot="10800000">
+                <a:off x="3330209" y="152400"/>
+                <a:ext cx="129600" cy="129600"/>
+              </a:xfrm>
+              <a:prstGeom prst="triangle">
+                <a:avLst/>
+              </a:prstGeom>
+              <a:solidFill>
+                <a:schemeClr val="bg1"/>
+              </a:solidFill>
+              <a:ln>
+                <a:noFill/>
+              </a:ln>
+            </p:spPr>
+            <p:style>
+              <a:lnRef idx="2">
+                <a:schemeClr val="accent1">
+                  <a:shade val="15000"/>
+                </a:schemeClr>
+              </a:lnRef>
+              <a:fillRef idx="1">
+                <a:schemeClr val="accent1"/>
+              </a:fillRef>
+              <a:effectRef idx="0">
+                <a:schemeClr val="accent1"/>
+              </a:effectRef>
+              <a:fontRef idx="minor">
+                <a:schemeClr val="lt1"/>
+              </a:fontRef>
+            </p:style>
+            <p:txBody>
+              <a:bodyPr rtlCol="0" anchor="ctr"/>
+              <a:lstStyle/>
+              <a:p>
+                <a:pPr algn="ctr"/>
+                <a:endParaRPr kumimoji="1" lang="ja-JP" altLang="en-US"/>
+              </a:p>
+            </p:txBody>
+          </p:sp>
+          <p:sp>
+            <p:nvSpPr>
+              <p:cNvPr id="25" name="三角形 24">
+                <a:extLst>
+                  <a:ext uri="{FF2B5EF4-FFF2-40B4-BE49-F238E27FC236}">
+                    <a16:creationId xmlns:a16="http://schemas.microsoft.com/office/drawing/2014/main" id="{F7FBB62D-433E-6912-A64F-6F4924C808BD}"/>
+                  </a:ext>
+                </a:extLst>
+              </p:cNvPr>
+              <p:cNvSpPr/>
+              <p:nvPr/>
+            </p:nvSpPr>
+            <p:spPr>
+              <a:xfrm rot="10800000">
+                <a:off x="1707600" y="152401"/>
+                <a:ext cx="129600" cy="129600"/>
+              </a:xfrm>
+              <a:prstGeom prst="triangle">
+                <a:avLst/>
+              </a:prstGeom>
+              <a:solidFill>
+                <a:schemeClr val="bg1"/>
+              </a:solidFill>
+              <a:ln>
+                <a:noFill/>
+              </a:ln>
+            </p:spPr>
+            <p:style>
+              <a:lnRef idx="2">
+                <a:schemeClr val="accent1">
+                  <a:shade val="15000"/>
+                </a:schemeClr>
+              </a:lnRef>
+              <a:fillRef idx="1">
+                <a:schemeClr val="accent1"/>
+              </a:fillRef>
+              <a:effectRef idx="0">
+                <a:schemeClr val="accent1"/>
+              </a:effectRef>
+              <a:fontRef idx="minor">
+                <a:schemeClr val="lt1"/>
+              </a:fontRef>
+            </p:style>
+            <p:txBody>
+              <a:bodyPr rtlCol="0" anchor="ctr"/>
+              <a:lstStyle/>
+              <a:p>
+                <a:pPr algn="ctr"/>
+                <a:endParaRPr kumimoji="1" lang="ja-JP" altLang="en-US"/>
+              </a:p>
+            </p:txBody>
+          </p:sp>
+          <p:sp>
+            <p:nvSpPr>
+              <p:cNvPr id="26" name="三角形 25">
+                <a:extLst>
+                  <a:ext uri="{FF2B5EF4-FFF2-40B4-BE49-F238E27FC236}">
+                    <a16:creationId xmlns:a16="http://schemas.microsoft.com/office/drawing/2014/main" id="{CD7CEE8E-CCA0-7910-0C15-EABCCADB663B}"/>
+                  </a:ext>
+                </a:extLst>
+              </p:cNvPr>
+              <p:cNvSpPr/>
+              <p:nvPr/>
+            </p:nvSpPr>
+            <p:spPr>
+              <a:xfrm rot="10800000">
+                <a:off x="4946818" y="152399"/>
+                <a:ext cx="129600" cy="129600"/>
+              </a:xfrm>
+              <a:prstGeom prst="triangle">
+                <a:avLst/>
+              </a:prstGeom>
+              <a:solidFill>
+                <a:schemeClr val="bg1"/>
+              </a:solidFill>
+              <a:ln>
+                <a:noFill/>
+              </a:ln>
+            </p:spPr>
+            <p:style>
+              <a:lnRef idx="2">
+                <a:schemeClr val="accent1">
+                  <a:shade val="15000"/>
+                </a:schemeClr>
+              </a:lnRef>
+              <a:fillRef idx="1">
+                <a:schemeClr val="accent1"/>
+              </a:fillRef>
+              <a:effectRef idx="0">
+                <a:schemeClr val="accent1"/>
+              </a:effectRef>
+              <a:fontRef idx="minor">
+                <a:schemeClr val="lt1"/>
+              </a:fontRef>
+            </p:style>
+            <p:txBody>
+              <a:bodyPr rtlCol="0" anchor="ctr"/>
+              <a:lstStyle/>
+              <a:p>
+                <a:pPr algn="ctr"/>
+                <a:endParaRPr kumimoji="1" lang="ja-JP" altLang="en-US"/>
+              </a:p>
+            </p:txBody>
+          </p:sp>
+        </p:grpSp>
+      </p:grpSp>
+    </p:spTree>
+    <p:extLst>
+      <p:ext uri="{BB962C8B-B14F-4D97-AF65-F5344CB8AC3E}">
+        <p14:creationId xmlns:p14="http://schemas.microsoft.com/office/powerpoint/2010/main" val="274124887"/>
       </p:ext>
     </p:extLst>
   </p:cSld>
